--- a/Lectures/CENG340_lec5_M_9_9.pptx
+++ b/Lectures/CENG340_lec5_M_9_9.pptx
@@ -1,17 +1,27 @@
 
 <file path=ppt/presentation.xml><?xml version="1.0" encoding="utf-8"?>
-<p:presentation xmlns:a="http://schemas.openxmlformats.org/drawingml/2006/main" xmlns:r="http://schemas.openxmlformats.org/officeDocument/2006/relationships" xmlns:p="http://schemas.openxmlformats.org/presentationml/2006/main" saveSubsetFonts="1" autoCompressPictures="0">
+<p:presentation xmlns:a="http://schemas.openxmlformats.org/drawingml/2006/main" xmlns:r="http://schemas.openxmlformats.org/officeDocument/2006/relationships" xmlns:p="http://schemas.openxmlformats.org/presentationml/2006/main" showSpecialPlsOnTitleSld="0" saveSubsetFonts="1" autoCompressPictures="0">
   <p:sldMasterIdLst>
     <p:sldMasterId id="2147483648" r:id="rId1"/>
   </p:sldMasterIdLst>
   <p:notesMasterIdLst>
-    <p:notesMasterId r:id="rId6"/>
+    <p:notesMasterId r:id="rId13"/>
   </p:notesMasterIdLst>
+  <p:handoutMasterIdLst>
+    <p:handoutMasterId r:id="rId14"/>
+  </p:handoutMasterIdLst>
   <p:sldIdLst>
     <p:sldId id="260" r:id="rId2"/>
-    <p:sldId id="261" r:id="rId3"/>
-    <p:sldId id="262" r:id="rId4"/>
-    <p:sldId id="263" r:id="rId5"/>
+    <p:sldId id="273" r:id="rId3"/>
+    <p:sldId id="261" r:id="rId4"/>
+    <p:sldId id="262" r:id="rId5"/>
+    <p:sldId id="263" r:id="rId6"/>
+    <p:sldId id="264" r:id="rId7"/>
+    <p:sldId id="266" r:id="rId8"/>
+    <p:sldId id="268" r:id="rId9"/>
+    <p:sldId id="267" r:id="rId10"/>
+    <p:sldId id="270" r:id="rId11"/>
+    <p:sldId id="271" r:id="rId12"/>
   </p:sldIdLst>
   <p:sldSz cx="9144000" cy="6858000" type="screen4x3"/>
   <p:notesSz cx="6858000" cy="9144000"/>
@@ -113,6 +123,172 @@
 </p:presentation>
 </file>
 
+<file path=ppt/handoutMasters/handoutMaster1.xml><?xml version="1.0" encoding="utf-8"?>
+<p:handoutMaster xmlns:a="http://schemas.openxmlformats.org/drawingml/2006/main" xmlns:r="http://schemas.openxmlformats.org/officeDocument/2006/relationships" xmlns:p="http://schemas.openxmlformats.org/presentationml/2006/main">
+  <p:cSld>
+    <p:bg>
+      <p:bgRef idx="1001">
+        <a:schemeClr val="bg1"/>
+      </p:bgRef>
+    </p:bg>
+    <p:spTree>
+      <p:nvGrpSpPr>
+        <p:cNvPr id="1" name=""/>
+        <p:cNvGrpSpPr/>
+        <p:nvPr/>
+      </p:nvGrpSpPr>
+      <p:grpSpPr>
+        <a:xfrm>
+          <a:off x="0" y="0"/>
+          <a:ext cx="0" cy="0"/>
+          <a:chOff x="0" y="0"/>
+          <a:chExt cx="0" cy="0"/>
+        </a:xfrm>
+      </p:grpSpPr>
+      <p:sp>
+        <p:nvSpPr>
+          <p:cNvPr id="2" name="Header Placeholder 1"/>
+          <p:cNvSpPr>
+            <a:spLocks noGrp="1"/>
+          </p:cNvSpPr>
+          <p:nvPr>
+            <p:ph type="hdr" sz="quarter"/>
+          </p:nvPr>
+        </p:nvSpPr>
+        <p:spPr>
+          <a:xfrm>
+            <a:off x="0" y="0"/>
+            <a:ext cx="2971800" cy="457200"/>
+          </a:xfrm>
+          <a:prstGeom prst="rect">
+            <a:avLst/>
+          </a:prstGeom>
+        </p:spPr>
+        <p:txBody>
+          <a:bodyPr vert="horz" lIns="91440" tIns="45720" rIns="91440" bIns="45720" rtlCol="0"/>
+          <a:lstStyle>
+            <a:lvl1pPr algn="l">
+              <a:defRPr sz="1200"/>
+            </a:lvl1pPr>
+          </a:lstStyle>
+          <a:p>
+            <a:endParaRPr lang="en-US"/>
+          </a:p>
+        </p:txBody>
+      </p:sp>
+      <p:sp>
+        <p:nvSpPr>
+          <p:cNvPr id="3" name="Date Placeholder 2"/>
+          <p:cNvSpPr>
+            <a:spLocks noGrp="1"/>
+          </p:cNvSpPr>
+          <p:nvPr>
+            <p:ph type="dt" sz="quarter" idx="1"/>
+          </p:nvPr>
+        </p:nvSpPr>
+        <p:spPr>
+          <a:xfrm>
+            <a:off x="3884613" y="0"/>
+            <a:ext cx="2971800" cy="457200"/>
+          </a:xfrm>
+          <a:prstGeom prst="rect">
+            <a:avLst/>
+          </a:prstGeom>
+        </p:spPr>
+        <p:txBody>
+          <a:bodyPr vert="horz" lIns="91440" tIns="45720" rIns="91440" bIns="45720" rtlCol="0"/>
+          <a:lstStyle>
+            <a:lvl1pPr algn="r">
+              <a:defRPr sz="1200"/>
+            </a:lvl1pPr>
+          </a:lstStyle>
+          <a:p>
+            <a:fld id="{41F4BCF5-7A29-CB43-A279-0C9BEFCC24B8}" type="datetimeFigureOut">
+              <a:rPr lang="en-US" smtClean="0"/>
+              <a:t>9/6/13</a:t>
+            </a:fld>
+            <a:endParaRPr lang="en-US"/>
+          </a:p>
+        </p:txBody>
+      </p:sp>
+      <p:sp>
+        <p:nvSpPr>
+          <p:cNvPr id="4" name="Footer Placeholder 3"/>
+          <p:cNvSpPr>
+            <a:spLocks noGrp="1"/>
+          </p:cNvSpPr>
+          <p:nvPr>
+            <p:ph type="ftr" sz="quarter" idx="2"/>
+          </p:nvPr>
+        </p:nvSpPr>
+        <p:spPr>
+          <a:xfrm>
+            <a:off x="0" y="8685213"/>
+            <a:ext cx="2971800" cy="457200"/>
+          </a:xfrm>
+          <a:prstGeom prst="rect">
+            <a:avLst/>
+          </a:prstGeom>
+        </p:spPr>
+        <p:txBody>
+          <a:bodyPr vert="horz" lIns="91440" tIns="45720" rIns="91440" bIns="45720" rtlCol="0" anchor="b"/>
+          <a:lstStyle>
+            <a:lvl1pPr algn="l">
+              <a:defRPr sz="1200"/>
+            </a:lvl1pPr>
+          </a:lstStyle>
+          <a:p>
+            <a:endParaRPr lang="en-US"/>
+          </a:p>
+        </p:txBody>
+      </p:sp>
+      <p:sp>
+        <p:nvSpPr>
+          <p:cNvPr id="5" name="Slide Number Placeholder 4"/>
+          <p:cNvSpPr>
+            <a:spLocks noGrp="1"/>
+          </p:cNvSpPr>
+          <p:nvPr>
+            <p:ph type="sldNum" sz="quarter" idx="3"/>
+          </p:nvPr>
+        </p:nvSpPr>
+        <p:spPr>
+          <a:xfrm>
+            <a:off x="3884613" y="8685213"/>
+            <a:ext cx="2971800" cy="457200"/>
+          </a:xfrm>
+          <a:prstGeom prst="rect">
+            <a:avLst/>
+          </a:prstGeom>
+        </p:spPr>
+        <p:txBody>
+          <a:bodyPr vert="horz" lIns="91440" tIns="45720" rIns="91440" bIns="45720" rtlCol="0" anchor="b"/>
+          <a:lstStyle>
+            <a:lvl1pPr algn="r">
+              <a:defRPr sz="1200"/>
+            </a:lvl1pPr>
+          </a:lstStyle>
+          <a:p>
+            <a:fld id="{E9BCB270-73E9-9A40-906D-5CA790175AA5}" type="slidenum">
+              <a:rPr lang="en-US" smtClean="0"/>
+              <a:t>‹#›</a:t>
+            </a:fld>
+            <a:endParaRPr lang="en-US"/>
+          </a:p>
+        </p:txBody>
+      </p:sp>
+    </p:spTree>
+    <p:extLst>
+      <p:ext uri="{BB962C8B-B14F-4D97-AF65-F5344CB8AC3E}">
+        <p14:creationId xmlns:p14="http://schemas.microsoft.com/office/powerpoint/2010/main" val="3068117036"/>
+      </p:ext>
+    </p:extLst>
+  </p:cSld>
+  <p:clrMap bg1="lt1" tx1="dk1" bg2="lt2" tx2="dk2" accent1="accent1" accent2="accent2" accent3="accent3" accent4="accent4" accent5="accent5" accent6="accent6" hlink="hlink" folHlink="folHlink"/>
+  <p:hf hdr="0" ftr="0" dt="0"/>
+</p:handoutMaster>
+</file>
+
 <file path=ppt/notesMasters/notesMaster1.xml><?xml version="1.0" encoding="utf-8"?>
 <p:notesMaster xmlns:a="http://schemas.openxmlformats.org/drawingml/2006/main" xmlns:r="http://schemas.openxmlformats.org/officeDocument/2006/relationships" xmlns:p="http://schemas.openxmlformats.org/presentationml/2006/main">
   <p:cSld>
@@ -368,6 +544,7 @@
     </p:extLst>
   </p:cSld>
   <p:clrMap bg1="lt1" tx1="dk1" bg2="lt2" tx2="dk2" accent1="accent1" accent2="accent2" accent3="accent3" accent4="accent4" accent5="accent5" accent6="accent6" hlink="hlink" folHlink="folHlink"/>
+  <p:hf hdr="0" ftr="0" dt="0"/>
   <p:notesStyle>
     <a:lvl1pPr marL="0" algn="l" defTabSz="457200" rtl="0" eaLnBrk="1" latinLnBrk="0" hangingPunct="1">
       <a:defRPr sz="1200" kern="1200">
@@ -463,6 +640,90 @@
 </p:notesMaster>
 </file>
 
+<file path=ppt/notesSlides/notesSlide1.xml><?xml version="1.0" encoding="utf-8"?>
+<p:notes xmlns:a="http://schemas.openxmlformats.org/drawingml/2006/main" xmlns:r="http://schemas.openxmlformats.org/officeDocument/2006/relationships" xmlns:p="http://schemas.openxmlformats.org/presentationml/2006/main">
+  <p:cSld>
+    <p:spTree>
+      <p:nvGrpSpPr>
+        <p:cNvPr id="1" name=""/>
+        <p:cNvGrpSpPr/>
+        <p:nvPr/>
+      </p:nvGrpSpPr>
+      <p:grpSpPr>
+        <a:xfrm>
+          <a:off x="0" y="0"/>
+          <a:ext cx="0" cy="0"/>
+          <a:chOff x="0" y="0"/>
+          <a:chExt cx="0" cy="0"/>
+        </a:xfrm>
+      </p:grpSpPr>
+      <p:sp>
+        <p:nvSpPr>
+          <p:cNvPr id="2" name="Slide Image Placeholder 1"/>
+          <p:cNvSpPr>
+            <a:spLocks noGrp="1" noRot="1" noChangeAspect="1"/>
+          </p:cNvSpPr>
+          <p:nvPr>
+            <p:ph type="sldImg"/>
+          </p:nvPr>
+        </p:nvSpPr>
+        <p:spPr/>
+      </p:sp>
+      <p:sp>
+        <p:nvSpPr>
+          <p:cNvPr id="3" name="Notes Placeholder 2"/>
+          <p:cNvSpPr>
+            <a:spLocks noGrp="1"/>
+          </p:cNvSpPr>
+          <p:nvPr>
+            <p:ph type="body" idx="1"/>
+          </p:nvPr>
+        </p:nvSpPr>
+        <p:spPr/>
+        <p:txBody>
+          <a:bodyPr/>
+          <a:lstStyle/>
+          <a:p>
+            <a:endParaRPr lang="en-US"/>
+          </a:p>
+        </p:txBody>
+      </p:sp>
+      <p:sp>
+        <p:nvSpPr>
+          <p:cNvPr id="4" name="Slide Number Placeholder 3"/>
+          <p:cNvSpPr>
+            <a:spLocks noGrp="1"/>
+          </p:cNvSpPr>
+          <p:nvPr>
+            <p:ph type="sldNum" sz="quarter" idx="10"/>
+          </p:nvPr>
+        </p:nvSpPr>
+        <p:spPr/>
+        <p:txBody>
+          <a:bodyPr/>
+          <a:lstStyle/>
+          <a:p>
+            <a:fld id="{474FCDCB-0E9C-ED44-8CE4-7AF94408CC72}" type="slidenum">
+              <a:rPr lang="en-US" smtClean="0"/>
+              <a:t>1</a:t>
+            </a:fld>
+            <a:endParaRPr lang="en-US"/>
+          </a:p>
+        </p:txBody>
+      </p:sp>
+    </p:spTree>
+    <p:extLst>
+      <p:ext uri="{BB962C8B-B14F-4D97-AF65-F5344CB8AC3E}">
+        <p14:creationId xmlns:p14="http://schemas.microsoft.com/office/powerpoint/2010/main" val="3514771416"/>
+      </p:ext>
+    </p:extLst>
+  </p:cSld>
+  <p:clrMapOvr>
+    <a:masterClrMapping/>
+  </p:clrMapOvr>
+</p:notes>
+</file>
+
 <file path=ppt/slideLayouts/slideLayout1.xml><?xml version="1.0" encoding="utf-8"?>
 <p:sldLayout xmlns:a="http://schemas.openxmlformats.org/drawingml/2006/main" xmlns:r="http://schemas.openxmlformats.org/officeDocument/2006/relationships" xmlns:p="http://schemas.openxmlformats.org/presentationml/2006/main" type="title" preserve="1">
   <p:cSld name="Title Slide">
@@ -642,9 +903,9 @@
           <a:bodyPr/>
           <a:lstStyle/>
           <a:p>
-            <a:fld id="{57CAD191-0B72-A74C-A0D1-B8D1381DFF49}" type="datetimeFigureOut">
-              <a:rPr lang="en-US" smtClean="0"/>
-              <a:t>9/5/13</a:t>
+            <a:fld id="{1D6290A9-6564-E54C-979E-F4229738CBF3}" type="datetime1">
+              <a:rPr lang="en-US" smtClean="0"/>
+              <a:t>9/8/13</a:t>
             </a:fld>
             <a:endParaRPr lang="en-US"/>
           </a:p>
@@ -812,9 +1073,9 @@
           <a:bodyPr/>
           <a:lstStyle/>
           <a:p>
-            <a:fld id="{57CAD191-0B72-A74C-A0D1-B8D1381DFF49}" type="datetimeFigureOut">
-              <a:rPr lang="en-US" smtClean="0"/>
-              <a:t>9/5/13</a:t>
+            <a:fld id="{9B14F47C-E7FD-AC4F-925C-3E5F1B12E86E}" type="datetime1">
+              <a:rPr lang="en-US" smtClean="0"/>
+              <a:t>9/8/13</a:t>
             </a:fld>
             <a:endParaRPr lang="en-US"/>
           </a:p>
@@ -992,9 +1253,9 @@
           <a:bodyPr/>
           <a:lstStyle/>
           <a:p>
-            <a:fld id="{57CAD191-0B72-A74C-A0D1-B8D1381DFF49}" type="datetimeFigureOut">
-              <a:rPr lang="en-US" smtClean="0"/>
-              <a:t>9/5/13</a:t>
+            <a:fld id="{27AD88DA-FEA0-7544-B9F0-3E199259994E}" type="datetime1">
+              <a:rPr lang="en-US" smtClean="0"/>
+              <a:t>9/8/13</a:t>
             </a:fld>
             <a:endParaRPr lang="en-US"/>
           </a:p>
@@ -1162,9 +1423,9 @@
           <a:bodyPr/>
           <a:lstStyle/>
           <a:p>
-            <a:fld id="{57CAD191-0B72-A74C-A0D1-B8D1381DFF49}" type="datetimeFigureOut">
-              <a:rPr lang="en-US" smtClean="0"/>
-              <a:t>9/5/13</a:t>
+            <a:fld id="{B7BA41C3-DF5A-5140-896D-AF6BC3B32342}" type="datetime1">
+              <a:rPr lang="en-US" smtClean="0"/>
+              <a:t>9/8/13</a:t>
             </a:fld>
             <a:endParaRPr lang="en-US"/>
           </a:p>
@@ -1408,9 +1669,9 @@
           <a:bodyPr/>
           <a:lstStyle/>
           <a:p>
-            <a:fld id="{57CAD191-0B72-A74C-A0D1-B8D1381DFF49}" type="datetimeFigureOut">
-              <a:rPr lang="en-US" smtClean="0"/>
-              <a:t>9/5/13</a:t>
+            <a:fld id="{C45D8B18-E4EB-7142-BDE2-9C5F626637F8}" type="datetime1">
+              <a:rPr lang="en-US" smtClean="0"/>
+              <a:t>9/8/13</a:t>
             </a:fld>
             <a:endParaRPr lang="en-US"/>
           </a:p>
@@ -1696,9 +1957,9 @@
           <a:bodyPr/>
           <a:lstStyle/>
           <a:p>
-            <a:fld id="{57CAD191-0B72-A74C-A0D1-B8D1381DFF49}" type="datetimeFigureOut">
-              <a:rPr lang="en-US" smtClean="0"/>
-              <a:t>9/5/13</a:t>
+            <a:fld id="{E8FE278D-1E5B-9B49-BF0C-CF42D108AC04}" type="datetime1">
+              <a:rPr lang="en-US" smtClean="0"/>
+              <a:t>9/8/13</a:t>
             </a:fld>
             <a:endParaRPr lang="en-US"/>
           </a:p>
@@ -2118,9 +2379,9 @@
           <a:bodyPr/>
           <a:lstStyle/>
           <a:p>
-            <a:fld id="{57CAD191-0B72-A74C-A0D1-B8D1381DFF49}" type="datetimeFigureOut">
-              <a:rPr lang="en-US" smtClean="0"/>
-              <a:t>9/5/13</a:t>
+            <a:fld id="{ED796609-F803-F142-8C6E-1B3AC2BDA362}" type="datetime1">
+              <a:rPr lang="en-US" smtClean="0"/>
+              <a:t>9/8/13</a:t>
             </a:fld>
             <a:endParaRPr lang="en-US"/>
           </a:p>
@@ -2236,9 +2497,9 @@
           <a:bodyPr/>
           <a:lstStyle/>
           <a:p>
-            <a:fld id="{57CAD191-0B72-A74C-A0D1-B8D1381DFF49}" type="datetimeFigureOut">
-              <a:rPr lang="en-US" smtClean="0"/>
-              <a:t>9/5/13</a:t>
+            <a:fld id="{FAE41B09-4251-1647-A444-FA61A8D0727E}" type="datetime1">
+              <a:rPr lang="en-US" smtClean="0"/>
+              <a:t>9/8/13</a:t>
             </a:fld>
             <a:endParaRPr lang="en-US"/>
           </a:p>
@@ -2331,9 +2592,9 @@
           <a:bodyPr/>
           <a:lstStyle/>
           <a:p>
-            <a:fld id="{57CAD191-0B72-A74C-A0D1-B8D1381DFF49}" type="datetimeFigureOut">
-              <a:rPr lang="en-US" smtClean="0"/>
-              <a:t>9/5/13</a:t>
+            <a:fld id="{92FB49DE-DA19-AE46-BA6F-91EB55DC4F1F}" type="datetime1">
+              <a:rPr lang="en-US" smtClean="0"/>
+              <a:t>9/8/13</a:t>
             </a:fld>
             <a:endParaRPr lang="en-US"/>
           </a:p>
@@ -2608,9 +2869,9 @@
           <a:bodyPr/>
           <a:lstStyle/>
           <a:p>
-            <a:fld id="{57CAD191-0B72-A74C-A0D1-B8D1381DFF49}" type="datetimeFigureOut">
-              <a:rPr lang="en-US" smtClean="0"/>
-              <a:t>9/5/13</a:t>
+            <a:fld id="{3ACA9124-9BF8-8F4D-8939-C6DEA3897058}" type="datetime1">
+              <a:rPr lang="en-US" smtClean="0"/>
+              <a:t>9/8/13</a:t>
             </a:fld>
             <a:endParaRPr lang="en-US"/>
           </a:p>
@@ -2861,9 +3122,9 @@
           <a:bodyPr/>
           <a:lstStyle/>
           <a:p>
-            <a:fld id="{57CAD191-0B72-A74C-A0D1-B8D1381DFF49}" type="datetimeFigureOut">
-              <a:rPr lang="en-US" smtClean="0"/>
-              <a:t>9/5/13</a:t>
+            <a:fld id="{16EE714D-2C6B-8F4A-872F-504FC1069467}" type="datetime1">
+              <a:rPr lang="en-US" smtClean="0"/>
+              <a:t>9/8/13</a:t>
             </a:fld>
             <a:endParaRPr lang="en-US"/>
           </a:p>
@@ -3074,9 +3335,9 @@
             </a:lvl1pPr>
           </a:lstStyle>
           <a:p>
-            <a:fld id="{57CAD191-0B72-A74C-A0D1-B8D1381DFF49}" type="datetimeFigureOut">
-              <a:rPr lang="en-US" smtClean="0"/>
-              <a:t>9/5/13</a:t>
+            <a:fld id="{DC015883-2AB4-924E-9FC5-404430C2E293}" type="datetime1">
+              <a:rPr lang="en-US" smtClean="0"/>
+              <a:t>9/8/13</a:t>
             </a:fld>
             <a:endParaRPr lang="en-US"/>
           </a:p>
@@ -3181,6 +3442,7 @@
     <p:sldLayoutId id="2147483658" r:id="rId10"/>
     <p:sldLayoutId id="2147483659" r:id="rId11"/>
   </p:sldLayoutIdLst>
+  <p:hf hdr="0" dt="0"/>
   <p:txStyles>
     <p:titleStyle>
       <a:lvl1pPr algn="ctr" defTabSz="457200" rtl="0" eaLnBrk="1" latinLnBrk="0" hangingPunct="1">
@@ -3545,7 +3807,7 @@
         </p:spPr>
         <p:txBody>
           <a:bodyPr>
-            <a:normAutofit/>
+            <a:normAutofit fontScale="85000" lnSpcReduction="20000"/>
           </a:bodyPr>
           <a:lstStyle/>
           <a:p>
@@ -3555,39 +3817,18 @@
               </a:spcAft>
             </a:pPr>
             <a:r>
+              <a:rPr lang="en-US" dirty="0">
+                <a:latin typeface="Arial"/>
+                <a:cs typeface="Arial"/>
+              </a:rPr>
+              <a:t>Prof. Higgins is assigning a lab prep, check the “Lab 2” folder on </a:t>
+            </a:r>
+            <a:r>
               <a:rPr lang="en-US" dirty="0" smtClean="0">
                 <a:latin typeface="Arial"/>
                 <a:cs typeface="Arial"/>
               </a:rPr>
-              <a:t>Exam </a:t>
-            </a:r>
-            <a:r>
-              <a:rPr lang="en-US" dirty="0" smtClean="0">
-                <a:latin typeface="Arial"/>
-                <a:cs typeface="Arial"/>
-              </a:rPr>
-              <a:t>blueprint, in preparation, </a:t>
-            </a:r>
-            <a:r>
-              <a:rPr lang="en-US" dirty="0" smtClean="0">
-                <a:latin typeface="Arial"/>
-                <a:cs typeface="Arial"/>
-              </a:rPr>
-              <a:t>Quiz </a:t>
-            </a:r>
-            <a:r>
-              <a:rPr lang="en-US" dirty="0" smtClean="0">
-                <a:latin typeface="Arial"/>
-                <a:cs typeface="Arial"/>
-              </a:rPr>
-              <a:t>solution </a:t>
-            </a:r>
-            <a:r>
-              <a:rPr lang="en-US" dirty="0" smtClean="0">
-                <a:latin typeface="Arial"/>
-                <a:cs typeface="Arial"/>
-              </a:rPr>
-              <a:t>posted.</a:t>
+              <a:t>Moodle.</a:t>
             </a:r>
           </a:p>
           <a:p>
@@ -3601,19 +3842,693 @@
                 <a:latin typeface="Arial"/>
                 <a:cs typeface="Arial"/>
               </a:rPr>
-              <a:t>Prof. Higgins is assigning a lab prep, check the “Lab 2” folder on Moodle. </a:t>
+              <a:t>Blog response (shorter than a post) due on Friday by 11:59pm</a:t>
+            </a:r>
+          </a:p>
+          <a:p>
+            <a:pPr>
+              <a:spcAft>
+                <a:spcPts val="600"/>
+              </a:spcAft>
+            </a:pPr>
+            <a:r>
+              <a:rPr lang="en-US" dirty="0" err="1">
+                <a:latin typeface="Arial"/>
+                <a:cs typeface="Arial"/>
+              </a:rPr>
+              <a:t>Quizz</a:t>
+            </a:r>
+            <a:r>
+              <a:rPr lang="en-US" dirty="0">
+                <a:latin typeface="Arial"/>
+                <a:cs typeface="Arial"/>
+              </a:rPr>
+              <a:t> Prep Doc, due as extra credit </a:t>
+            </a:r>
+            <a:r>
+              <a:rPr lang="en-US" dirty="0" err="1">
+                <a:latin typeface="Arial"/>
+                <a:cs typeface="Arial"/>
+              </a:rPr>
+              <a:t>hw</a:t>
+            </a:r>
+            <a:r>
+              <a:rPr lang="en-US" dirty="0">
+                <a:latin typeface="Arial"/>
+                <a:cs typeface="Arial"/>
+              </a:rPr>
+              <a:t> by Wednesday 9/11 5pm </a:t>
             </a:r>
             <a:endParaRPr lang="en-US" dirty="0" smtClean="0">
               <a:latin typeface="Arial"/>
               <a:cs typeface="Arial"/>
             </a:endParaRPr>
           </a:p>
+          <a:p>
+            <a:pPr>
+              <a:spcAft>
+                <a:spcPts val="600"/>
+              </a:spcAft>
+            </a:pPr>
+            <a:r>
+              <a:rPr lang="en-US" dirty="0" smtClean="0">
+                <a:latin typeface="Arial"/>
+                <a:cs typeface="Arial"/>
+              </a:rPr>
+              <a:t>Problem Set 2 posted; due Wed 9/18 in class—</a:t>
+            </a:r>
+            <a:r>
+              <a:rPr lang="en-US" b="1" dirty="0" smtClean="0">
+                <a:latin typeface="Arial"/>
+                <a:cs typeface="Arial"/>
+              </a:rPr>
+              <a:t>it’s long!</a:t>
+            </a:r>
+          </a:p>
+          <a:p>
+            <a:pPr>
+              <a:spcAft>
+                <a:spcPts val="600"/>
+              </a:spcAft>
+            </a:pPr>
+            <a:r>
+              <a:rPr lang="en-US" dirty="0">
+                <a:latin typeface="Arial"/>
+                <a:cs typeface="Arial"/>
+              </a:rPr>
+              <a:t>Exam </a:t>
+            </a:r>
+            <a:r>
+              <a:rPr lang="en-US" dirty="0" smtClean="0">
+                <a:latin typeface="Arial"/>
+                <a:cs typeface="Arial"/>
+              </a:rPr>
+              <a:t>blueprint </a:t>
+            </a:r>
+            <a:r>
+              <a:rPr lang="en-US" b="1" i="1" dirty="0" smtClean="0">
+                <a:latin typeface="Arial"/>
+                <a:cs typeface="Arial"/>
+              </a:rPr>
+              <a:t>(partial) </a:t>
+            </a:r>
+            <a:r>
+              <a:rPr lang="en-US" dirty="0" smtClean="0">
+                <a:latin typeface="Arial"/>
+                <a:cs typeface="Arial"/>
+              </a:rPr>
+              <a:t>for Midterm-1 posted.  Note I will add to doc as we cover material.  Will be finalized one week before exam.</a:t>
+            </a:r>
+            <a:endParaRPr lang="en-US" dirty="0">
+              <a:latin typeface="Arial"/>
+              <a:cs typeface="Arial"/>
+            </a:endParaRPr>
+          </a:p>
+          <a:p>
+            <a:pPr>
+              <a:spcAft>
+                <a:spcPts val="600"/>
+              </a:spcAft>
+            </a:pPr>
+            <a:endParaRPr lang="en-US" dirty="0" smtClean="0">
+              <a:latin typeface="Arial"/>
+              <a:cs typeface="Arial"/>
+            </a:endParaRPr>
+          </a:p>
+        </p:txBody>
+      </p:sp>
+      <p:sp>
+        <p:nvSpPr>
+          <p:cNvPr id="5" name="Slide Number Placeholder 4"/>
+          <p:cNvSpPr>
+            <a:spLocks noGrp="1"/>
+          </p:cNvSpPr>
+          <p:nvPr>
+            <p:ph type="sldNum" sz="quarter" idx="12"/>
+          </p:nvPr>
+        </p:nvSpPr>
+        <p:spPr/>
+        <p:txBody>
+          <a:bodyPr/>
+          <a:lstStyle/>
+          <a:p>
+            <a:fld id="{A8ED28AA-87F7-5C4E-93A6-8BAA38DF407C}" type="slidenum">
+              <a:rPr lang="en-US" smtClean="0"/>
+              <a:t>1</a:t>
+            </a:fld>
+            <a:endParaRPr lang="en-US"/>
+          </a:p>
+        </p:txBody>
+      </p:sp>
+      <p:sp>
+        <p:nvSpPr>
+          <p:cNvPr id="6" name="Footer Placeholder 5"/>
+          <p:cNvSpPr>
+            <a:spLocks noGrp="1"/>
+          </p:cNvSpPr>
+          <p:nvPr>
+            <p:ph type="ftr" sz="quarter" idx="11"/>
+          </p:nvPr>
+        </p:nvSpPr>
+        <p:spPr/>
+        <p:txBody>
+          <a:bodyPr/>
+          <a:lstStyle/>
+          <a:p>
+            <a:endParaRPr lang="en-US"/>
+          </a:p>
         </p:txBody>
       </p:sp>
     </p:spTree>
     <p:extLst>
       <p:ext uri="{BB962C8B-B14F-4D97-AF65-F5344CB8AC3E}">
         <p14:creationId xmlns:p14="http://schemas.microsoft.com/office/powerpoint/2010/main" val="1097704173"/>
+      </p:ext>
+    </p:extLst>
+  </p:cSld>
+  <p:clrMapOvr>
+    <a:masterClrMapping/>
+  </p:clrMapOvr>
+  <p:timing>
+    <p:tnLst>
+      <p:par>
+        <p:cTn xmlns:p14="http://schemas.microsoft.com/office/powerpoint/2010/main" id="1" dur="indefinite" restart="never" nodeType="tmRoot"/>
+      </p:par>
+    </p:tnLst>
+  </p:timing>
+</p:sld>
+</file>
+
+<file path=ppt/slides/slide10.xml><?xml version="1.0" encoding="utf-8"?>
+<p:sld xmlns:a="http://schemas.openxmlformats.org/drawingml/2006/main" xmlns:r="http://schemas.openxmlformats.org/officeDocument/2006/relationships" xmlns:p="http://schemas.openxmlformats.org/presentationml/2006/main">
+  <p:cSld>
+    <p:spTree>
+      <p:nvGrpSpPr>
+        <p:cNvPr id="1" name=""/>
+        <p:cNvGrpSpPr/>
+        <p:nvPr/>
+      </p:nvGrpSpPr>
+      <p:grpSpPr>
+        <a:xfrm>
+          <a:off x="0" y="0"/>
+          <a:ext cx="0" cy="0"/>
+          <a:chOff x="0" y="0"/>
+          <a:chExt cx="0" cy="0"/>
+        </a:xfrm>
+      </p:grpSpPr>
+      <p:sp>
+        <p:nvSpPr>
+          <p:cNvPr id="2" name="Title 1"/>
+          <p:cNvSpPr>
+            <a:spLocks noGrp="1"/>
+          </p:cNvSpPr>
+          <p:nvPr>
+            <p:ph type="title"/>
+          </p:nvPr>
+        </p:nvSpPr>
+        <p:spPr/>
+        <p:txBody>
+          <a:bodyPr/>
+          <a:lstStyle/>
+          <a:p>
+            <a:r>
+              <a:rPr lang="en-US" dirty="0" smtClean="0">
+                <a:solidFill>
+                  <a:srgbClr val="000090"/>
+                </a:solidFill>
+              </a:rPr>
+              <a:t>II. Chemical Characteristics</a:t>
+            </a:r>
+            <a:endParaRPr lang="en-US" dirty="0">
+              <a:solidFill>
+                <a:srgbClr val="000090"/>
+              </a:solidFill>
+            </a:endParaRPr>
+          </a:p>
+        </p:txBody>
+      </p:sp>
+      <p:sp>
+        <p:nvSpPr>
+          <p:cNvPr id="3" name="Content Placeholder 2"/>
+          <p:cNvSpPr>
+            <a:spLocks noGrp="1"/>
+          </p:cNvSpPr>
+          <p:nvPr>
+            <p:ph idx="1"/>
+          </p:nvPr>
+        </p:nvSpPr>
+        <p:spPr/>
+        <p:txBody>
+          <a:bodyPr>
+            <a:normAutofit lnSpcReduction="10000"/>
+          </a:bodyPr>
+          <a:lstStyle/>
+          <a:p>
+            <a:pPr marL="514350" indent="-514350">
+              <a:buFont typeface="+mj-lt"/>
+              <a:buAutoNum type="arabicPeriod"/>
+            </a:pPr>
+            <a:r>
+              <a:rPr lang="en-US" sz="2800" dirty="0" smtClean="0">
+                <a:solidFill>
+                  <a:srgbClr val="800000"/>
+                </a:solidFill>
+                <a:latin typeface="Arial"/>
+                <a:cs typeface="Arial"/>
+              </a:rPr>
+              <a:t>Inorganic (Table 10.4, p. 402; Table 10.8, p.408): </a:t>
+            </a:r>
+          </a:p>
+          <a:p>
+            <a:pPr marL="914400" lvl="1" indent="-514350"/>
+            <a:r>
+              <a:rPr lang="en-US" sz="2400" dirty="0" smtClean="0">
+                <a:latin typeface="Arial"/>
+                <a:cs typeface="Arial"/>
+              </a:rPr>
+              <a:t>calcium and magnesium in surface water,</a:t>
+            </a:r>
+          </a:p>
+          <a:p>
+            <a:pPr marL="914400" lvl="1" indent="-514350"/>
+            <a:r>
+              <a:rPr lang="en-US" sz="2400" dirty="0" smtClean="0">
+                <a:latin typeface="Arial"/>
+                <a:cs typeface="Arial"/>
+              </a:rPr>
+              <a:t>chloride from saltwater intrusion, </a:t>
+            </a:r>
+          </a:p>
+          <a:p>
+            <a:pPr marL="914400" lvl="1" indent="-514350"/>
+            <a:r>
+              <a:rPr lang="en-US" sz="2400" dirty="0" smtClean="0">
+                <a:latin typeface="Arial"/>
+                <a:cs typeface="Arial"/>
+              </a:rPr>
+              <a:t>fluoride, NO</a:t>
+            </a:r>
+            <a:r>
+              <a:rPr lang="en-US" sz="2400" baseline="-25000" dirty="0" smtClean="0">
+                <a:latin typeface="Arial"/>
+                <a:cs typeface="Arial"/>
+              </a:rPr>
+              <a:t>3</a:t>
+            </a:r>
+            <a:r>
+              <a:rPr lang="en-US" sz="2400" baseline="30000" dirty="0" smtClean="0">
+                <a:latin typeface="Arial"/>
+                <a:cs typeface="Arial"/>
+              </a:rPr>
+              <a:t>2-</a:t>
+            </a:r>
+            <a:r>
+              <a:rPr lang="en-US" sz="2400" dirty="0" smtClean="0">
+                <a:latin typeface="Arial"/>
+                <a:cs typeface="Arial"/>
+              </a:rPr>
+              <a:t>, iron, manganese, and sulfur in surface water and groundwater</a:t>
+            </a:r>
+          </a:p>
+          <a:p>
+            <a:pPr marL="514350" indent="-514350">
+              <a:buFont typeface="+mj-lt"/>
+              <a:buAutoNum type="arabicPeriod"/>
+            </a:pPr>
+            <a:r>
+              <a:rPr lang="en-US" sz="2800" dirty="0" smtClean="0">
+                <a:solidFill>
+                  <a:srgbClr val="800000"/>
+                </a:solidFill>
+                <a:latin typeface="Arial"/>
+                <a:cs typeface="Arial"/>
+              </a:rPr>
+              <a:t>Organic (Table 10.8, p. 407):</a:t>
+            </a:r>
+            <a:endParaRPr lang="en-US" sz="2800" dirty="0">
+              <a:solidFill>
+                <a:srgbClr val="800000"/>
+              </a:solidFill>
+              <a:latin typeface="Arial"/>
+              <a:cs typeface="Arial"/>
+            </a:endParaRPr>
+          </a:p>
+          <a:p>
+            <a:pPr marL="914400" lvl="1" indent="-514350"/>
+            <a:r>
+              <a:rPr lang="en-US" sz="2400" dirty="0" smtClean="0">
+                <a:latin typeface="Arial"/>
+                <a:cs typeface="Arial"/>
+              </a:rPr>
+              <a:t>Synthetic, or man-made, organics—</a:t>
+            </a:r>
+            <a:r>
+              <a:rPr lang="en-US" sz="2400" dirty="0" err="1" smtClean="0">
+                <a:latin typeface="Arial"/>
+                <a:cs typeface="Arial"/>
+              </a:rPr>
+              <a:t>e.g</a:t>
+            </a:r>
+            <a:r>
+              <a:rPr lang="en-US" sz="2400" dirty="0" smtClean="0">
+                <a:latin typeface="Arial"/>
+                <a:cs typeface="Arial"/>
+              </a:rPr>
+              <a:t> fuels, cleaning solvents, pesticides</a:t>
+            </a:r>
+          </a:p>
+          <a:p>
+            <a:pPr marL="914400" lvl="1" indent="-514350"/>
+            <a:r>
+              <a:rPr lang="en-US" sz="2400" dirty="0" smtClean="0">
+                <a:latin typeface="Arial"/>
+                <a:cs typeface="Arial"/>
+              </a:rPr>
+              <a:t>Emerging chemicals of concern: personal care products &amp; pharmaceuticals</a:t>
+            </a:r>
+          </a:p>
+        </p:txBody>
+      </p:sp>
+      <p:sp>
+        <p:nvSpPr>
+          <p:cNvPr id="4" name="Slide Number Placeholder 3"/>
+          <p:cNvSpPr>
+            <a:spLocks noGrp="1"/>
+          </p:cNvSpPr>
+          <p:nvPr>
+            <p:ph type="sldNum" sz="quarter" idx="12"/>
+          </p:nvPr>
+        </p:nvSpPr>
+        <p:spPr/>
+        <p:txBody>
+          <a:bodyPr/>
+          <a:lstStyle/>
+          <a:p>
+            <a:fld id="{A8ED28AA-87F7-5C4E-93A6-8BAA38DF407C}" type="slidenum">
+              <a:rPr lang="en-US" smtClean="0"/>
+              <a:t>10</a:t>
+            </a:fld>
+            <a:endParaRPr lang="en-US"/>
+          </a:p>
+        </p:txBody>
+      </p:sp>
+      <p:sp>
+        <p:nvSpPr>
+          <p:cNvPr id="5" name="Footer Placeholder 4"/>
+          <p:cNvSpPr>
+            <a:spLocks noGrp="1"/>
+          </p:cNvSpPr>
+          <p:nvPr>
+            <p:ph type="ftr" sz="quarter" idx="11"/>
+          </p:nvPr>
+        </p:nvSpPr>
+        <p:spPr/>
+        <p:txBody>
+          <a:bodyPr/>
+          <a:lstStyle/>
+          <a:p>
+            <a:r>
+              <a:rPr lang="en-US" dirty="0" smtClean="0"/>
+              <a:t>Chemical Characteristics</a:t>
+            </a:r>
+            <a:endParaRPr lang="en-US" dirty="0"/>
+          </a:p>
+        </p:txBody>
+      </p:sp>
+    </p:spTree>
+    <p:extLst>
+      <p:ext uri="{BB962C8B-B14F-4D97-AF65-F5344CB8AC3E}">
+        <p14:creationId xmlns:p14="http://schemas.microsoft.com/office/powerpoint/2010/main" val="582586475"/>
+      </p:ext>
+    </p:extLst>
+  </p:cSld>
+  <p:clrMapOvr>
+    <a:masterClrMapping/>
+  </p:clrMapOvr>
+  <p:timing>
+    <p:tnLst>
+      <p:par>
+        <p:cTn xmlns:p14="http://schemas.microsoft.com/office/powerpoint/2010/main" id="1" dur="indefinite" restart="never" nodeType="tmRoot"/>
+      </p:par>
+    </p:tnLst>
+  </p:timing>
+</p:sld>
+</file>
+
+<file path=ppt/slides/slide11.xml><?xml version="1.0" encoding="utf-8"?>
+<p:sld xmlns:a="http://schemas.openxmlformats.org/drawingml/2006/main" xmlns:r="http://schemas.openxmlformats.org/officeDocument/2006/relationships" xmlns:p="http://schemas.openxmlformats.org/presentationml/2006/main">
+  <p:cSld>
+    <p:spTree>
+      <p:nvGrpSpPr>
+        <p:cNvPr id="1" name=""/>
+        <p:cNvGrpSpPr/>
+        <p:nvPr/>
+      </p:nvGrpSpPr>
+      <p:grpSpPr>
+        <a:xfrm>
+          <a:off x="0" y="0"/>
+          <a:ext cx="0" cy="0"/>
+          <a:chOff x="0" y="0"/>
+          <a:chExt cx="0" cy="0"/>
+        </a:xfrm>
+      </p:grpSpPr>
+      <p:sp>
+        <p:nvSpPr>
+          <p:cNvPr id="2" name="Title 1"/>
+          <p:cNvSpPr>
+            <a:spLocks noGrp="1"/>
+          </p:cNvSpPr>
+          <p:nvPr>
+            <p:ph type="title"/>
+          </p:nvPr>
+        </p:nvSpPr>
+        <p:spPr/>
+        <p:txBody>
+          <a:bodyPr/>
+          <a:lstStyle/>
+          <a:p>
+            <a:r>
+              <a:rPr lang="en-US" dirty="0" smtClean="0">
+                <a:solidFill>
+                  <a:srgbClr val="000090"/>
+                </a:solidFill>
+                <a:latin typeface="Arial"/>
+                <a:cs typeface="Arial"/>
+              </a:rPr>
+              <a:t>III. Biological Characteristics</a:t>
+            </a:r>
+            <a:endParaRPr lang="en-US" dirty="0">
+              <a:solidFill>
+                <a:srgbClr val="000090"/>
+              </a:solidFill>
+              <a:latin typeface="Arial"/>
+              <a:cs typeface="Arial"/>
+            </a:endParaRPr>
+          </a:p>
+        </p:txBody>
+      </p:sp>
+      <p:sp>
+        <p:nvSpPr>
+          <p:cNvPr id="3" name="Content Placeholder 2"/>
+          <p:cNvSpPr>
+            <a:spLocks noGrp="1"/>
+          </p:cNvSpPr>
+          <p:nvPr>
+            <p:ph idx="1"/>
+          </p:nvPr>
+        </p:nvSpPr>
+        <p:spPr/>
+        <p:txBody>
+          <a:bodyPr>
+            <a:normAutofit/>
+          </a:bodyPr>
+          <a:lstStyle/>
+          <a:p>
+            <a:r>
+              <a:rPr lang="en-US" dirty="0" smtClean="0">
+                <a:latin typeface="Arial"/>
+                <a:cs typeface="Arial"/>
+              </a:rPr>
+              <a:t>Pathogens     microorganisms that cause disease.  </a:t>
+            </a:r>
+          </a:p>
+          <a:p>
+            <a:pPr lvl="1"/>
+            <a:r>
+              <a:rPr lang="en-US" dirty="0">
+                <a:latin typeface="Arial"/>
+                <a:cs typeface="Arial"/>
+              </a:rPr>
+              <a:t>v</a:t>
+            </a:r>
+            <a:r>
+              <a:rPr lang="en-US" dirty="0" smtClean="0">
+                <a:latin typeface="Arial"/>
+                <a:cs typeface="Arial"/>
+              </a:rPr>
+              <a:t>iruses, bacteria, protozoa, </a:t>
+            </a:r>
+            <a:r>
+              <a:rPr lang="en-US" dirty="0" err="1" smtClean="0">
+                <a:latin typeface="Arial"/>
+                <a:cs typeface="Arial"/>
+              </a:rPr>
+              <a:t>helminth</a:t>
+            </a:r>
+            <a:r>
+              <a:rPr lang="en-US" dirty="0" smtClean="0">
+                <a:latin typeface="Arial"/>
+                <a:cs typeface="Arial"/>
+              </a:rPr>
+              <a:t> (round worm)</a:t>
+            </a:r>
+          </a:p>
+          <a:p>
+            <a:pPr lvl="1"/>
+            <a:r>
+              <a:rPr lang="en-US" dirty="0" smtClean="0">
+                <a:latin typeface="Arial"/>
+                <a:cs typeface="Arial"/>
+              </a:rPr>
+              <a:t>EPA monitors for indicator organisms—coliforms</a:t>
+            </a:r>
+            <a:r>
+              <a:rPr lang="en-US" dirty="0">
+                <a:latin typeface="Arial"/>
+                <a:cs typeface="Arial"/>
+              </a:rPr>
+              <a:t>—</a:t>
+            </a:r>
+            <a:r>
+              <a:rPr lang="en-US" dirty="0" smtClean="0">
+                <a:latin typeface="Arial"/>
+                <a:cs typeface="Arial"/>
+              </a:rPr>
+              <a:t>that are not pathogens, but are present in mammals and easy to detect and measure.</a:t>
+            </a:r>
+          </a:p>
+          <a:p>
+            <a:pPr lvl="2"/>
+            <a:r>
+              <a:rPr lang="en-US" dirty="0" smtClean="0">
+                <a:solidFill>
+                  <a:srgbClr val="FF0000"/>
+                </a:solidFill>
+                <a:latin typeface="Arial"/>
+                <a:cs typeface="Arial"/>
+              </a:rPr>
+              <a:t>U.S. EPA standard &lt; 1 coliform per 100 mL</a:t>
+            </a:r>
+          </a:p>
+        </p:txBody>
+      </p:sp>
+      <p:sp>
+        <p:nvSpPr>
+          <p:cNvPr id="4" name="Slide Number Placeholder 3"/>
+          <p:cNvSpPr>
+            <a:spLocks noGrp="1"/>
+          </p:cNvSpPr>
+          <p:nvPr>
+            <p:ph type="sldNum" sz="quarter" idx="12"/>
+          </p:nvPr>
+        </p:nvSpPr>
+        <p:spPr/>
+        <p:txBody>
+          <a:bodyPr/>
+          <a:lstStyle/>
+          <a:p>
+            <a:fld id="{A8ED28AA-87F7-5C4E-93A6-8BAA38DF407C}" type="slidenum">
+              <a:rPr lang="en-US" smtClean="0"/>
+              <a:t>11</a:t>
+            </a:fld>
+            <a:endParaRPr lang="en-US"/>
+          </a:p>
+        </p:txBody>
+      </p:sp>
+      <p:sp>
+        <p:nvSpPr>
+          <p:cNvPr id="5" name="Footer Placeholder 4"/>
+          <p:cNvSpPr>
+            <a:spLocks noGrp="1"/>
+          </p:cNvSpPr>
+          <p:nvPr>
+            <p:ph type="ftr" sz="quarter" idx="11"/>
+          </p:nvPr>
+        </p:nvSpPr>
+        <p:spPr/>
+        <p:txBody>
+          <a:bodyPr/>
+          <a:lstStyle/>
+          <a:p>
+            <a:r>
+              <a:rPr lang="en-US" dirty="0" smtClean="0"/>
+              <a:t>Biological Characteristics</a:t>
+            </a:r>
+            <a:endParaRPr lang="en-US" dirty="0"/>
+          </a:p>
+        </p:txBody>
+      </p:sp>
+      <p:graphicFrame>
+        <p:nvGraphicFramePr>
+          <p:cNvPr id="6" name="Object 5"/>
+          <p:cNvGraphicFramePr>
+            <a:graphicFrameLocks noChangeAspect="1"/>
+          </p:cNvGraphicFramePr>
+          <p:nvPr>
+            <p:extLst>
+              <p:ext uri="{D42A27DB-BD31-4B8C-83A1-F6EECF244321}">
+                <p14:modId xmlns:p14="http://schemas.microsoft.com/office/powerpoint/2010/main" val="1876482290"/>
+              </p:ext>
+            </p:extLst>
+          </p:nvPr>
+        </p:nvGraphicFramePr>
+        <p:xfrm>
+          <a:off x="2898108" y="1803239"/>
+          <a:ext cx="452184" cy="381609"/>
+        </p:xfrm>
+        <a:graphic>
+          <a:graphicData uri="http://schemas.openxmlformats.org/presentationml/2006/ole">
+            <mc:AlternateContent xmlns:mc="http://schemas.openxmlformats.org/markup-compatibility/2006">
+              <mc:Choice xmlns:v="urn:schemas-microsoft-com:vml" Requires="v">
+                <p:oleObj spid="_x0000_s7178" name="Equation" r:id="rId3" imgW="127000" imgH="114300" progId="Equation.3">
+                  <p:embed/>
+                </p:oleObj>
+              </mc:Choice>
+              <mc:Fallback>
+                <p:oleObj name="Equation" r:id="rId3" imgW="127000" imgH="114300" progId="Equation.3">
+                  <p:embed/>
+                  <p:pic>
+                    <p:nvPicPr>
+                      <p:cNvPr id="0" name=""/>
+                      <p:cNvPicPr/>
+                      <p:nvPr/>
+                    </p:nvPicPr>
+                    <p:blipFill>
+                      <a:blip r:embed="rId4"/>
+                      <a:stretch>
+                        <a:fillRect/>
+                      </a:stretch>
+                    </p:blipFill>
+                    <p:spPr>
+                      <a:xfrm>
+                        <a:off x="2898108" y="1803239"/>
+                        <a:ext cx="452184" cy="381609"/>
+                      </a:xfrm>
+                      <a:prstGeom prst="rect">
+                        <a:avLst/>
+                      </a:prstGeom>
+                    </p:spPr>
+                  </p:pic>
+                </p:oleObj>
+              </mc:Fallback>
+            </mc:AlternateContent>
+          </a:graphicData>
+        </a:graphic>
+      </p:graphicFrame>
+    </p:spTree>
+    <p:extLst>
+      <p:ext uri="{BB962C8B-B14F-4D97-AF65-F5344CB8AC3E}">
+        <p14:creationId xmlns:p14="http://schemas.microsoft.com/office/powerpoint/2010/main" val="1050112694"/>
       </p:ext>
     </p:extLst>
   </p:cSld>
@@ -3657,76 +4572,241 @@
             <p:ph type="title"/>
           </p:nvPr>
         </p:nvSpPr>
+        <p:spPr>
+          <a:xfrm>
+            <a:off x="457200" y="536073"/>
+            <a:ext cx="8229600" cy="1143000"/>
+          </a:xfrm>
+        </p:spPr>
+        <p:txBody>
+          <a:bodyPr>
+            <a:normAutofit fontScale="90000"/>
+          </a:bodyPr>
+          <a:lstStyle/>
+          <a:p>
+            <a:r>
+              <a:rPr lang="en-US" dirty="0" smtClean="0">
+                <a:solidFill>
+                  <a:srgbClr val="000090"/>
+                </a:solidFill>
+                <a:latin typeface="Arial"/>
+                <a:cs typeface="Arial"/>
+              </a:rPr>
+              <a:t>Chapter 1 (course notes)</a:t>
+            </a:r>
+            <a:br>
+              <a:rPr lang="en-US" dirty="0" smtClean="0">
+                <a:solidFill>
+                  <a:srgbClr val="000090"/>
+                </a:solidFill>
+                <a:latin typeface="Arial"/>
+                <a:cs typeface="Arial"/>
+              </a:rPr>
+            </a:br>
+            <a:r>
+              <a:rPr lang="en-US" dirty="0" smtClean="0">
+                <a:solidFill>
+                  <a:srgbClr val="000090"/>
+                </a:solidFill>
+                <a:latin typeface="Arial"/>
+                <a:cs typeface="Arial"/>
+              </a:rPr>
+              <a:t>Characteristics of Water</a:t>
+            </a:r>
+            <a:br>
+              <a:rPr lang="en-US" dirty="0" smtClean="0">
+                <a:solidFill>
+                  <a:srgbClr val="000090"/>
+                </a:solidFill>
+                <a:latin typeface="Arial"/>
+                <a:cs typeface="Arial"/>
+              </a:rPr>
+            </a:br>
+            <a:endParaRPr lang="en-US" dirty="0">
+              <a:solidFill>
+                <a:srgbClr val="000090"/>
+              </a:solidFill>
+              <a:latin typeface="Arial"/>
+              <a:cs typeface="Arial"/>
+            </a:endParaRPr>
+          </a:p>
+        </p:txBody>
+      </p:sp>
+      <p:sp>
+        <p:nvSpPr>
+          <p:cNvPr id="3" name="Content Placeholder 2"/>
+          <p:cNvSpPr>
+            <a:spLocks noGrp="1"/>
+          </p:cNvSpPr>
+          <p:nvPr>
+            <p:ph idx="1"/>
+          </p:nvPr>
+        </p:nvSpPr>
+        <p:spPr>
+          <a:xfrm>
+            <a:off x="746320" y="1830387"/>
+            <a:ext cx="8229600" cy="4525963"/>
+          </a:xfrm>
+        </p:spPr>
+        <p:txBody>
+          <a:bodyPr/>
+          <a:lstStyle/>
+          <a:p>
+            <a:pPr marL="571500" indent="-571500">
+              <a:spcBef>
+                <a:spcPts val="1968"/>
+              </a:spcBef>
+              <a:spcAft>
+                <a:spcPts val="2400"/>
+              </a:spcAft>
+              <a:buFont typeface="+mj-lt"/>
+              <a:buAutoNum type="romanUcPeriod"/>
+            </a:pPr>
+            <a:r>
+              <a:rPr lang="en-US" dirty="0" smtClean="0">
+                <a:latin typeface="Arial"/>
+                <a:cs typeface="Arial"/>
+              </a:rPr>
+              <a:t>Physical</a:t>
+            </a:r>
+          </a:p>
+          <a:p>
+            <a:pPr marL="571500" indent="-571500">
+              <a:spcBef>
+                <a:spcPts val="1968"/>
+              </a:spcBef>
+              <a:spcAft>
+                <a:spcPts val="2400"/>
+              </a:spcAft>
+              <a:buFont typeface="+mj-lt"/>
+              <a:buAutoNum type="romanUcPeriod"/>
+            </a:pPr>
+            <a:r>
+              <a:rPr lang="en-US" dirty="0" smtClean="0">
+                <a:latin typeface="Arial"/>
+                <a:cs typeface="Arial"/>
+              </a:rPr>
+              <a:t>Chemical</a:t>
+            </a:r>
+          </a:p>
+          <a:p>
+            <a:pPr marL="571500" indent="-571500">
+              <a:spcBef>
+                <a:spcPts val="1968"/>
+              </a:spcBef>
+              <a:spcAft>
+                <a:spcPts val="2400"/>
+              </a:spcAft>
+              <a:buFont typeface="+mj-lt"/>
+              <a:buAutoNum type="romanUcPeriod"/>
+            </a:pPr>
+            <a:r>
+              <a:rPr lang="en-US" dirty="0" smtClean="0">
+                <a:latin typeface="Arial"/>
+                <a:cs typeface="Arial"/>
+              </a:rPr>
+              <a:t>Biological</a:t>
+            </a:r>
+            <a:endParaRPr lang="en-US" dirty="0">
+              <a:latin typeface="Arial"/>
+              <a:cs typeface="Arial"/>
+            </a:endParaRPr>
+          </a:p>
+        </p:txBody>
+      </p:sp>
+      <p:sp>
+        <p:nvSpPr>
+          <p:cNvPr id="4" name="Slide Number Placeholder 3"/>
+          <p:cNvSpPr>
+            <a:spLocks noGrp="1"/>
+          </p:cNvSpPr>
+          <p:nvPr>
+            <p:ph type="sldNum" sz="quarter" idx="12"/>
+          </p:nvPr>
+        </p:nvSpPr>
         <p:spPr/>
         <p:txBody>
           <a:bodyPr/>
           <a:lstStyle/>
           <a:p>
+            <a:fld id="{A8ED28AA-87F7-5C4E-93A6-8BAA38DF407C}" type="slidenum">
+              <a:rPr lang="en-US" smtClean="0"/>
+              <a:t>2</a:t>
+            </a:fld>
+            <a:endParaRPr lang="en-US"/>
+          </a:p>
+        </p:txBody>
+      </p:sp>
+      <p:sp>
+        <p:nvSpPr>
+          <p:cNvPr id="5" name="Footer Placeholder 4"/>
+          <p:cNvSpPr>
+            <a:spLocks noGrp="1"/>
+          </p:cNvSpPr>
+          <p:nvPr>
+            <p:ph type="ftr" sz="quarter" idx="11"/>
+          </p:nvPr>
+        </p:nvSpPr>
+        <p:spPr/>
+        <p:txBody>
+          <a:bodyPr/>
+          <a:lstStyle/>
+          <a:p>
             <a:r>
               <a:rPr lang="en-US" dirty="0" smtClean="0"/>
-              <a:t>Physical Characteristics of Water</a:t>
+              <a:t>Characteristic of Water</a:t>
             </a:r>
             <a:endParaRPr lang="en-US" dirty="0"/>
           </a:p>
         </p:txBody>
       </p:sp>
-      <p:sp>
-        <p:nvSpPr>
-          <p:cNvPr id="3" name="Content Placeholder 2"/>
-          <p:cNvSpPr>
-            <a:spLocks noGrp="1"/>
-          </p:cNvSpPr>
-          <p:nvPr>
-            <p:ph idx="1"/>
-          </p:nvPr>
-        </p:nvSpPr>
-        <p:spPr/>
-        <p:txBody>
-          <a:bodyPr/>
-          <a:lstStyle/>
-          <a:p>
-            <a:r>
-              <a:rPr lang="en-US" dirty="0" smtClean="0"/>
-              <a:t>Turbidity</a:t>
-            </a:r>
-          </a:p>
-          <a:p>
-            <a:r>
-              <a:rPr lang="en-US" dirty="0" smtClean="0"/>
-              <a:t>Solids or Particles</a:t>
-            </a:r>
-          </a:p>
-          <a:p>
-            <a:r>
-              <a:rPr lang="en-US" dirty="0" smtClean="0"/>
-              <a:t>Color</a:t>
-            </a:r>
-          </a:p>
-          <a:p>
-            <a:r>
-              <a:rPr lang="en-US" dirty="0" smtClean="0"/>
-              <a:t>Taste and odor</a:t>
-            </a:r>
-          </a:p>
-          <a:p>
-            <a:r>
-              <a:rPr lang="en-US" dirty="0" smtClean="0"/>
-              <a:t>Temperature</a:t>
-            </a:r>
-            <a:endParaRPr lang="en-US" dirty="0"/>
-          </a:p>
-        </p:txBody>
-      </p:sp>
+      <p:pic>
+        <p:nvPicPr>
+          <p:cNvPr id="6" name="Picture 5" descr="Unknown.jpeg"/>
+          <p:cNvPicPr>
+            <a:picLocks noChangeAspect="1"/>
+          </p:cNvPicPr>
+          <p:nvPr/>
+        </p:nvPicPr>
+        <p:blipFill>
+          <a:blip r:embed="rId2">
+            <a:extLst>
+              <a:ext uri="{28A0092B-C50C-407E-A947-70E740481C1C}">
+                <a14:useLocalDpi xmlns:a14="http://schemas.microsoft.com/office/drawing/2010/main" val="0"/>
+              </a:ext>
+            </a:extLst>
+          </a:blip>
+          <a:stretch>
+            <a:fillRect/>
+          </a:stretch>
+        </p:blipFill>
+        <p:spPr>
+          <a:xfrm>
+            <a:off x="4332720" y="2255279"/>
+            <a:ext cx="3973080" cy="2634325"/>
+          </a:xfrm>
+          <a:prstGeom prst="rect">
+            <a:avLst/>
+          </a:prstGeom>
+        </p:spPr>
+      </p:pic>
     </p:spTree>
     <p:extLst>
       <p:ext uri="{BB962C8B-B14F-4D97-AF65-F5344CB8AC3E}">
-        <p14:creationId xmlns:p14="http://schemas.microsoft.com/office/powerpoint/2010/main" val="1407951561"/>
+        <p14:creationId xmlns:p14="http://schemas.microsoft.com/office/powerpoint/2010/main" val="3099863154"/>
       </p:ext>
     </p:extLst>
   </p:cSld>
   <p:clrMapOvr>
     <a:masterClrMapping/>
   </p:clrMapOvr>
+  <p:timing>
+    <p:tnLst>
+      <p:par>
+        <p:cTn xmlns:p14="http://schemas.microsoft.com/office/powerpoint/2010/main" id="1" dur="indefinite" restart="never" nodeType="tmRoot"/>
+      </p:par>
+    </p:tnLst>
+  </p:timing>
 </p:sld>
 </file>
 
@@ -3759,25 +4839,143 @@
         </p:nvSpPr>
         <p:spPr/>
         <p:txBody>
+          <a:bodyPr>
+            <a:normAutofit fontScale="90000"/>
+          </a:bodyPr>
+          <a:lstStyle/>
+          <a:p>
+            <a:r>
+              <a:rPr lang="en-US" dirty="0" smtClean="0">
+                <a:solidFill>
+                  <a:srgbClr val="000090"/>
+                </a:solidFill>
+                <a:latin typeface="Arial"/>
+                <a:cs typeface="Arial"/>
+              </a:rPr>
+              <a:t>Physical Characteristics of Water</a:t>
+            </a:r>
+            <a:br>
+              <a:rPr lang="en-US" dirty="0" smtClean="0">
+                <a:solidFill>
+                  <a:srgbClr val="000090"/>
+                </a:solidFill>
+                <a:latin typeface="Arial"/>
+                <a:cs typeface="Arial"/>
+              </a:rPr>
+            </a:br>
+            <a:r>
+              <a:rPr lang="en-US" dirty="0" smtClean="0">
+                <a:solidFill>
+                  <a:srgbClr val="000090"/>
+                </a:solidFill>
+                <a:latin typeface="Arial"/>
+                <a:cs typeface="Arial"/>
+              </a:rPr>
+              <a:t>(in your notes)</a:t>
+            </a:r>
+            <a:endParaRPr lang="en-US" dirty="0">
+              <a:solidFill>
+                <a:srgbClr val="000090"/>
+              </a:solidFill>
+              <a:latin typeface="Arial"/>
+              <a:cs typeface="Arial"/>
+            </a:endParaRPr>
+          </a:p>
+        </p:txBody>
+      </p:sp>
+      <p:sp>
+        <p:nvSpPr>
+          <p:cNvPr id="3" name="Content Placeholder 2"/>
+          <p:cNvSpPr>
+            <a:spLocks noGrp="1"/>
+          </p:cNvSpPr>
+          <p:nvPr>
+            <p:ph idx="1"/>
+          </p:nvPr>
+        </p:nvSpPr>
+        <p:spPr/>
+        <p:txBody>
           <a:bodyPr/>
           <a:lstStyle/>
           <a:p>
-            <a:r>
-              <a:rPr lang="en-US" dirty="0" smtClean="0"/>
+            <a:pPr marL="514350" indent="-514350">
+              <a:buFont typeface="+mj-lt"/>
+              <a:buAutoNum type="arabicPeriod"/>
+            </a:pPr>
+            <a:r>
+              <a:rPr lang="en-US" dirty="0" smtClean="0">
+                <a:latin typeface="Arial"/>
+                <a:cs typeface="Arial"/>
+              </a:rPr>
               <a:t>Turbidity</a:t>
             </a:r>
-            <a:endParaRPr lang="en-US" dirty="0"/>
-          </a:p>
-        </p:txBody>
-      </p:sp>
-      <p:sp>
-        <p:nvSpPr>
-          <p:cNvPr id="3" name="Content Placeholder 2"/>
-          <p:cNvSpPr>
-            <a:spLocks noGrp="1"/>
-          </p:cNvSpPr>
-          <p:nvPr>
-            <p:ph idx="1"/>
+          </a:p>
+          <a:p>
+            <a:pPr marL="514350" indent="-514350">
+              <a:buFont typeface="+mj-lt"/>
+              <a:buAutoNum type="arabicPeriod"/>
+            </a:pPr>
+            <a:r>
+              <a:rPr lang="en-US" dirty="0" smtClean="0">
+                <a:latin typeface="Arial"/>
+                <a:cs typeface="Arial"/>
+              </a:rPr>
+              <a:t>Solids or Particles</a:t>
+            </a:r>
+          </a:p>
+          <a:p>
+            <a:pPr marL="514350" indent="-514350">
+              <a:buFont typeface="+mj-lt"/>
+              <a:buAutoNum type="arabicPeriod"/>
+            </a:pPr>
+            <a:r>
+              <a:rPr lang="en-US" dirty="0" smtClean="0">
+                <a:latin typeface="Arial"/>
+                <a:cs typeface="Arial"/>
+              </a:rPr>
+              <a:t>Color</a:t>
+            </a:r>
+          </a:p>
+          <a:p>
+            <a:pPr marL="514350" indent="-514350">
+              <a:buFont typeface="+mj-lt"/>
+              <a:buAutoNum type="arabicPeriod"/>
+            </a:pPr>
+            <a:r>
+              <a:rPr lang="en-US" dirty="0" smtClean="0">
+                <a:latin typeface="Arial"/>
+                <a:cs typeface="Arial"/>
+              </a:rPr>
+              <a:t>Taste and odor</a:t>
+            </a:r>
+          </a:p>
+          <a:p>
+            <a:pPr marL="514350" indent="-514350">
+              <a:buFont typeface="+mj-lt"/>
+              <a:buAutoNum type="arabicPeriod"/>
+            </a:pPr>
+            <a:r>
+              <a:rPr lang="en-US" dirty="0" smtClean="0">
+                <a:latin typeface="Arial"/>
+                <a:cs typeface="Arial"/>
+              </a:rPr>
+              <a:t>Temperature</a:t>
+            </a:r>
+            <a:endParaRPr lang="en-US" dirty="0">
+              <a:latin typeface="Arial"/>
+              <a:cs typeface="Arial"/>
+            </a:endParaRPr>
+          </a:p>
+        </p:txBody>
+      </p:sp>
+      <p:sp>
+        <p:nvSpPr>
+          <p:cNvPr id="5" name="Slide Number Placeholder 4"/>
+          <p:cNvSpPr>
+            <a:spLocks noGrp="1"/>
+          </p:cNvSpPr>
+          <p:nvPr>
+            <p:ph type="sldNum" sz="quarter" idx="12"/>
           </p:nvPr>
         </p:nvSpPr>
         <p:spPr/>
@@ -3785,24 +4983,50 @@
           <a:bodyPr/>
           <a:lstStyle/>
           <a:p>
-            <a:r>
-              <a:rPr lang="en-US" dirty="0" smtClean="0"/>
-              <a:t>In your notes</a:t>
-            </a:r>
-            <a:endParaRPr lang="en-US" dirty="0"/>
+            <a:fld id="{A8ED28AA-87F7-5C4E-93A6-8BAA38DF407C}" type="slidenum">
+              <a:rPr lang="en-US" smtClean="0"/>
+              <a:t>3</a:t>
+            </a:fld>
+            <a:endParaRPr lang="en-US"/>
+          </a:p>
+        </p:txBody>
+      </p:sp>
+      <p:sp>
+        <p:nvSpPr>
+          <p:cNvPr id="6" name="Footer Placeholder 5"/>
+          <p:cNvSpPr>
+            <a:spLocks noGrp="1"/>
+          </p:cNvSpPr>
+          <p:nvPr>
+            <p:ph type="ftr" sz="quarter" idx="11"/>
+          </p:nvPr>
+        </p:nvSpPr>
+        <p:spPr/>
+        <p:txBody>
+          <a:bodyPr/>
+          <a:lstStyle/>
+          <a:p>
+            <a:endParaRPr lang="en-US"/>
           </a:p>
         </p:txBody>
       </p:sp>
     </p:spTree>
     <p:extLst>
       <p:ext uri="{BB962C8B-B14F-4D97-AF65-F5344CB8AC3E}">
-        <p14:creationId xmlns:p14="http://schemas.microsoft.com/office/powerpoint/2010/main" val="3688605825"/>
+        <p14:creationId xmlns:p14="http://schemas.microsoft.com/office/powerpoint/2010/main" val="1407951561"/>
       </p:ext>
     </p:extLst>
   </p:cSld>
   <p:clrMapOvr>
     <a:masterClrMapping/>
   </p:clrMapOvr>
+  <p:timing>
+    <p:tnLst>
+      <p:par>
+        <p:cTn xmlns:p14="http://schemas.microsoft.com/office/powerpoint/2010/main" id="1" dur="indefinite" restart="never" nodeType="tmRoot"/>
+      </p:par>
+    </p:tnLst>
+  </p:timing>
 </p:sld>
 </file>
 
@@ -3835,7 +5059,9 @@
         </p:nvSpPr>
         <p:spPr/>
         <p:txBody>
-          <a:bodyPr/>
+          <a:bodyPr>
+            <a:normAutofit fontScale="90000"/>
+          </a:bodyPr>
           <a:lstStyle/>
           <a:p>
             <a:r>
@@ -3846,7 +5072,26 @@
                 <a:latin typeface="Arial"/>
                 <a:cs typeface="Arial"/>
               </a:rPr>
-              <a:t>Particles or Solids</a:t>
+              <a:t>Physical Characteristics</a:t>
+            </a:r>
+            <a:br>
+              <a:rPr lang="en-US" dirty="0" smtClean="0">
+                <a:solidFill>
+                  <a:srgbClr val="000090"/>
+                </a:solidFill>
+                <a:latin typeface="Arial"/>
+                <a:cs typeface="Arial"/>
+              </a:rPr>
+            </a:br>
+            <a:r>
+              <a:rPr lang="en-US" dirty="0" smtClean="0">
+                <a:solidFill>
+                  <a:srgbClr val="000090"/>
+                </a:solidFill>
+                <a:latin typeface="Arial"/>
+                <a:cs typeface="Arial"/>
+              </a:rPr>
+              <a:t>1.Turbidity</a:t>
             </a:r>
             <a:endParaRPr lang="en-US" dirty="0">
               <a:solidFill>
@@ -3870,11 +5115,243 @@
         </p:nvSpPr>
         <p:spPr/>
         <p:txBody>
+          <a:bodyPr>
+            <a:normAutofit lnSpcReduction="10000"/>
+          </a:bodyPr>
+          <a:lstStyle/>
+          <a:p>
+            <a:r>
+              <a:rPr lang="en-US" sz="2800" dirty="0" smtClean="0">
+                <a:latin typeface="Arial"/>
+                <a:cs typeface="Arial"/>
+              </a:rPr>
+              <a:t>Optical clarity of water, resulting from light scattering by particles (high turbidity = “cloudy” or “hazy” water)</a:t>
+            </a:r>
+            <a:endParaRPr lang="en-US" sz="2800" dirty="0">
+              <a:latin typeface="Arial"/>
+              <a:cs typeface="Arial"/>
+            </a:endParaRPr>
+          </a:p>
+          <a:p>
+            <a:r>
+              <a:rPr lang="en-US" sz="2800" dirty="0" smtClean="0">
+                <a:latin typeface="Arial"/>
+                <a:cs typeface="Arial"/>
+              </a:rPr>
+              <a:t>Reported in units of </a:t>
+            </a:r>
+            <a:r>
+              <a:rPr lang="en-US" sz="2800" dirty="0" err="1" smtClean="0">
+                <a:latin typeface="Arial"/>
+                <a:cs typeface="Arial"/>
+              </a:rPr>
+              <a:t>nephelometric</a:t>
+            </a:r>
+            <a:r>
+              <a:rPr lang="en-US" sz="2800" dirty="0" smtClean="0">
+                <a:latin typeface="Arial"/>
+                <a:cs typeface="Arial"/>
+              </a:rPr>
+              <a:t> turbidity units (NTU)</a:t>
+            </a:r>
+          </a:p>
+          <a:p>
+            <a:r>
+              <a:rPr lang="en-US" sz="2800" dirty="0" smtClean="0">
+                <a:latin typeface="Arial"/>
+                <a:cs typeface="Arial"/>
+              </a:rPr>
+              <a:t>Good indicator of presence of harmful microorganisms</a:t>
+            </a:r>
+          </a:p>
+          <a:p>
+            <a:r>
+              <a:rPr lang="en-US" sz="2800" dirty="0" smtClean="0">
+                <a:solidFill>
+                  <a:srgbClr val="FF0000"/>
+                </a:solidFill>
+                <a:latin typeface="Arial"/>
+                <a:cs typeface="Arial"/>
+              </a:rPr>
+              <a:t>WHO standard &lt; 5 NTU</a:t>
+            </a:r>
+          </a:p>
+          <a:p>
+            <a:r>
+              <a:rPr lang="en-US" sz="2800" dirty="0" smtClean="0">
+                <a:solidFill>
+                  <a:srgbClr val="FF0000"/>
+                </a:solidFill>
+                <a:latin typeface="Arial"/>
+                <a:cs typeface="Arial"/>
+              </a:rPr>
+              <a:t>U.S. standard &lt; 0.3 NTU 95% of the time, never higher than 1 NTU</a:t>
+            </a:r>
+          </a:p>
+          <a:p>
+            <a:pPr marL="2743200" lvl="6" indent="0">
+              <a:buNone/>
+            </a:pPr>
+            <a:endParaRPr lang="en-US" dirty="0"/>
+          </a:p>
+        </p:txBody>
+      </p:sp>
+      <p:sp>
+        <p:nvSpPr>
+          <p:cNvPr id="5" name="Slide Number Placeholder 4"/>
+          <p:cNvSpPr>
+            <a:spLocks noGrp="1"/>
+          </p:cNvSpPr>
+          <p:nvPr>
+            <p:ph type="sldNum" sz="quarter" idx="12"/>
+          </p:nvPr>
+        </p:nvSpPr>
+        <p:spPr/>
+        <p:txBody>
           <a:bodyPr/>
           <a:lstStyle/>
           <a:p>
-            <a:r>
-              <a:rPr lang="en-US" dirty="0" smtClean="0">
+            <a:fld id="{A8ED28AA-87F7-5C4E-93A6-8BAA38DF407C}" type="slidenum">
+              <a:rPr lang="en-US" smtClean="0"/>
+              <a:t>4</a:t>
+            </a:fld>
+            <a:endParaRPr lang="en-US"/>
+          </a:p>
+        </p:txBody>
+      </p:sp>
+      <p:sp>
+        <p:nvSpPr>
+          <p:cNvPr id="6" name="Footer Placeholder 5"/>
+          <p:cNvSpPr>
+            <a:spLocks noGrp="1"/>
+          </p:cNvSpPr>
+          <p:nvPr>
+            <p:ph type="ftr" sz="quarter" idx="11"/>
+          </p:nvPr>
+        </p:nvSpPr>
+        <p:spPr/>
+        <p:txBody>
+          <a:bodyPr/>
+          <a:lstStyle/>
+          <a:p>
+            <a:r>
+              <a:rPr lang="en-US" dirty="0"/>
+              <a:t>Physical Characteristics: </a:t>
+            </a:r>
+            <a:r>
+              <a:rPr lang="en-US" dirty="0" smtClean="0"/>
+              <a:t>Turbidity</a:t>
+            </a:r>
+            <a:endParaRPr lang="en-US" dirty="0"/>
+          </a:p>
+        </p:txBody>
+      </p:sp>
+    </p:spTree>
+    <p:extLst>
+      <p:ext uri="{BB962C8B-B14F-4D97-AF65-F5344CB8AC3E}">
+        <p14:creationId xmlns:p14="http://schemas.microsoft.com/office/powerpoint/2010/main" val="3688605825"/>
+      </p:ext>
+    </p:extLst>
+  </p:cSld>
+  <p:clrMapOvr>
+    <a:masterClrMapping/>
+  </p:clrMapOvr>
+  <p:timing>
+    <p:tnLst>
+      <p:par>
+        <p:cTn xmlns:p14="http://schemas.microsoft.com/office/powerpoint/2010/main" id="1" dur="indefinite" restart="never" nodeType="tmRoot"/>
+      </p:par>
+    </p:tnLst>
+  </p:timing>
+</p:sld>
+</file>
+
+<file path=ppt/slides/slide5.xml><?xml version="1.0" encoding="utf-8"?>
+<p:sld xmlns:a="http://schemas.openxmlformats.org/drawingml/2006/main" xmlns:r="http://schemas.openxmlformats.org/officeDocument/2006/relationships" xmlns:p="http://schemas.openxmlformats.org/presentationml/2006/main">
+  <p:cSld>
+    <p:spTree>
+      <p:nvGrpSpPr>
+        <p:cNvPr id="1" name=""/>
+        <p:cNvGrpSpPr/>
+        <p:nvPr/>
+      </p:nvGrpSpPr>
+      <p:grpSpPr>
+        <a:xfrm>
+          <a:off x="0" y="0"/>
+          <a:ext cx="0" cy="0"/>
+          <a:chOff x="0" y="0"/>
+          <a:chExt cx="0" cy="0"/>
+        </a:xfrm>
+      </p:grpSpPr>
+      <p:sp>
+        <p:nvSpPr>
+          <p:cNvPr id="2" name="Title 1"/>
+          <p:cNvSpPr>
+            <a:spLocks noGrp="1"/>
+          </p:cNvSpPr>
+          <p:nvPr>
+            <p:ph type="title"/>
+          </p:nvPr>
+        </p:nvSpPr>
+        <p:spPr>
+          <a:xfrm>
+            <a:off x="457200" y="274638"/>
+            <a:ext cx="8229600" cy="584363"/>
+          </a:xfrm>
+        </p:spPr>
+        <p:txBody>
+          <a:bodyPr>
+            <a:noAutofit/>
+          </a:bodyPr>
+          <a:lstStyle/>
+          <a:p>
+            <a:r>
+              <a:rPr lang="en-US" sz="3600" dirty="0" smtClean="0">
+                <a:solidFill>
+                  <a:srgbClr val="000090"/>
+                </a:solidFill>
+                <a:latin typeface="Arial"/>
+                <a:cs typeface="Arial"/>
+              </a:rPr>
+              <a:t>2. Particles or Solids</a:t>
+            </a:r>
+            <a:endParaRPr lang="en-US" sz="3600" dirty="0">
+              <a:solidFill>
+                <a:srgbClr val="000090"/>
+              </a:solidFill>
+              <a:latin typeface="Arial"/>
+              <a:cs typeface="Arial"/>
+            </a:endParaRPr>
+          </a:p>
+        </p:txBody>
+      </p:sp>
+      <p:sp>
+        <p:nvSpPr>
+          <p:cNvPr id="3" name="Content Placeholder 2"/>
+          <p:cNvSpPr>
+            <a:spLocks noGrp="1"/>
+          </p:cNvSpPr>
+          <p:nvPr>
+            <p:ph idx="1"/>
+          </p:nvPr>
+        </p:nvSpPr>
+        <p:spPr>
+          <a:xfrm>
+            <a:off x="457200" y="871918"/>
+            <a:ext cx="8229600" cy="5986082"/>
+          </a:xfrm>
+        </p:spPr>
+        <p:txBody>
+          <a:bodyPr>
+            <a:normAutofit/>
+          </a:bodyPr>
+          <a:lstStyle/>
+          <a:p>
+            <a:r>
+              <a:rPr lang="en-US" sz="2800" dirty="0" smtClean="0">
+                <a:solidFill>
+                  <a:srgbClr val="800000"/>
+                </a:solidFill>
                 <a:latin typeface="Arial"/>
                 <a:cs typeface="Arial"/>
               </a:rPr>
@@ -3882,17 +5359,78 @@
             </a:r>
           </a:p>
           <a:p>
-            <a:r>
-              <a:rPr lang="en-US" dirty="0" smtClean="0">
+            <a:pPr lvl="1"/>
+            <a:r>
+              <a:rPr lang="en-US" sz="2400" dirty="0" smtClean="0">
+                <a:latin typeface="Arial"/>
+                <a:cs typeface="Arial"/>
+              </a:rPr>
+              <a:t>Sample dried at 103-105 ºC</a:t>
+            </a:r>
+          </a:p>
+          <a:p>
+            <a:pPr marL="457200" lvl="1" indent="0">
+              <a:buNone/>
+            </a:pPr>
+            <a:endParaRPr lang="en-US" dirty="0" smtClean="0">
+              <a:latin typeface="Arial"/>
+              <a:cs typeface="Arial"/>
+            </a:endParaRPr>
+          </a:p>
+          <a:p>
+            <a:endParaRPr lang="en-US" dirty="0" smtClean="0">
+              <a:latin typeface="Arial"/>
+              <a:cs typeface="Arial"/>
+            </a:endParaRPr>
+          </a:p>
+          <a:p>
+            <a:r>
+              <a:rPr lang="en-US" sz="2800" dirty="0" smtClean="0">
+                <a:solidFill>
+                  <a:srgbClr val="800000"/>
+                </a:solidFill>
                 <a:latin typeface="Arial"/>
                 <a:cs typeface="Arial"/>
               </a:rPr>
               <a:t>Total Suspended Solids TSS</a:t>
             </a:r>
-          </a:p>
-          <a:p>
-            <a:r>
-              <a:rPr lang="en-US" dirty="0" smtClean="0">
+            <a:r>
+              <a:rPr lang="en-US" sz="2800" dirty="0" smtClean="0">
+                <a:latin typeface="Arial"/>
+                <a:cs typeface="Arial"/>
+              </a:rPr>
+              <a:t> </a:t>
+            </a:r>
+          </a:p>
+          <a:p>
+            <a:pPr lvl="1"/>
+            <a:r>
+              <a:rPr lang="en-US" sz="2400" dirty="0" smtClean="0">
+                <a:latin typeface="Arial"/>
+                <a:cs typeface="Arial"/>
+              </a:rPr>
+              <a:t>sample filtered, sample retained on filter dried</a:t>
+            </a:r>
+          </a:p>
+          <a:p>
+            <a:pPr lvl="1"/>
+            <a:endParaRPr lang="en-US" dirty="0">
+              <a:latin typeface="Arial"/>
+              <a:cs typeface="Arial"/>
+            </a:endParaRPr>
+          </a:p>
+          <a:p>
+            <a:endParaRPr lang="en-US" sz="2800" dirty="0" smtClean="0">
+              <a:latin typeface="Arial"/>
+              <a:cs typeface="Arial"/>
+            </a:endParaRPr>
+          </a:p>
+          <a:p>
+            <a:r>
+              <a:rPr lang="en-US" sz="2800" dirty="0" smtClean="0">
+                <a:solidFill>
+                  <a:srgbClr val="800000"/>
+                </a:solidFill>
                 <a:latin typeface="Arial"/>
                 <a:cs typeface="Arial"/>
               </a:rPr>
@@ -3900,7 +5438,241 @@
             </a:r>
           </a:p>
           <a:p>
+            <a:pPr lvl="1"/>
+            <a:r>
+              <a:rPr lang="en-US" sz="2400" dirty="0" smtClean="0">
+                <a:latin typeface="Arial"/>
+                <a:cs typeface="Arial"/>
+              </a:rPr>
+              <a:t>sample filtered, filtrate dried</a:t>
+            </a:r>
+          </a:p>
+          <a:p>
             <a:endParaRPr lang="en-US" dirty="0"/>
+          </a:p>
+          <a:p>
+            <a:endParaRPr lang="en-US" dirty="0"/>
+          </a:p>
+        </p:txBody>
+      </p:sp>
+      <p:graphicFrame>
+        <p:nvGraphicFramePr>
+          <p:cNvPr id="4" name="Object 3"/>
+          <p:cNvGraphicFramePr>
+            <a:graphicFrameLocks noChangeAspect="1"/>
+          </p:cNvGraphicFramePr>
+          <p:nvPr>
+            <p:extLst>
+              <p:ext uri="{D42A27DB-BD31-4B8C-83A1-F6EECF244321}">
+                <p14:modId xmlns:p14="http://schemas.microsoft.com/office/powerpoint/2010/main" val="3431951747"/>
+              </p:ext>
+            </p:extLst>
+          </p:nvPr>
+        </p:nvGraphicFramePr>
+        <p:xfrm>
+          <a:off x="830710" y="4012241"/>
+          <a:ext cx="5889625" cy="927100"/>
+        </p:xfrm>
+        <a:graphic>
+          <a:graphicData uri="http://schemas.openxmlformats.org/presentationml/2006/ole">
+            <mc:AlternateContent xmlns:mc="http://schemas.openxmlformats.org/markup-compatibility/2006">
+              <mc:Choice xmlns:v="urn:schemas-microsoft-com:vml" Requires="v">
+                <p:oleObj spid="_x0000_s1064" name="Equation" r:id="rId3" imgW="2819400" imgH="444500" progId="Equation.3">
+                  <p:embed/>
+                </p:oleObj>
+              </mc:Choice>
+              <mc:Fallback>
+                <p:oleObj name="Equation" r:id="rId3" imgW="2819400" imgH="444500" progId="Equation.3">
+                  <p:embed/>
+                  <p:pic>
+                    <p:nvPicPr>
+                      <p:cNvPr id="0" name=""/>
+                      <p:cNvPicPr/>
+                      <p:nvPr/>
+                    </p:nvPicPr>
+                    <p:blipFill>
+                      <a:blip r:embed="rId4"/>
+                      <a:stretch>
+                        <a:fillRect/>
+                      </a:stretch>
+                    </p:blipFill>
+                    <p:spPr>
+                      <a:xfrm>
+                        <a:off x="830710" y="4012241"/>
+                        <a:ext cx="5889625" cy="927100"/>
+                      </a:xfrm>
+                      <a:prstGeom prst="rect">
+                        <a:avLst/>
+                      </a:prstGeom>
+                    </p:spPr>
+                  </p:pic>
+                </p:oleObj>
+              </mc:Fallback>
+            </mc:AlternateContent>
+          </a:graphicData>
+        </a:graphic>
+      </p:graphicFrame>
+      <p:graphicFrame>
+        <p:nvGraphicFramePr>
+          <p:cNvPr id="5" name="Object 4"/>
+          <p:cNvGraphicFramePr>
+            <a:graphicFrameLocks noChangeAspect="1"/>
+          </p:cNvGraphicFramePr>
+          <p:nvPr>
+            <p:extLst>
+              <p:ext uri="{D42A27DB-BD31-4B8C-83A1-F6EECF244321}">
+                <p14:modId xmlns:p14="http://schemas.microsoft.com/office/powerpoint/2010/main" val="1397427564"/>
+              </p:ext>
+            </p:extLst>
+          </p:nvPr>
+        </p:nvGraphicFramePr>
+        <p:xfrm>
+          <a:off x="830710" y="1833054"/>
+          <a:ext cx="6897659" cy="928531"/>
+        </p:xfrm>
+        <a:graphic>
+          <a:graphicData uri="http://schemas.openxmlformats.org/presentationml/2006/ole">
+            <mc:AlternateContent xmlns:mc="http://schemas.openxmlformats.org/markup-compatibility/2006">
+              <mc:Choice xmlns:v="urn:schemas-microsoft-com:vml" Requires="v">
+                <p:oleObj spid="_x0000_s1065" name="Equation" r:id="rId5" imgW="3302000" imgH="444500" progId="Equation.3">
+                  <p:embed/>
+                </p:oleObj>
+              </mc:Choice>
+              <mc:Fallback>
+                <p:oleObj name="Equation" r:id="rId5" imgW="3302000" imgH="444500" progId="Equation.3">
+                  <p:embed/>
+                  <p:pic>
+                    <p:nvPicPr>
+                      <p:cNvPr id="0" name=""/>
+                      <p:cNvPicPr/>
+                      <p:nvPr/>
+                    </p:nvPicPr>
+                    <p:blipFill>
+                      <a:blip r:embed="rId6"/>
+                      <a:stretch>
+                        <a:fillRect/>
+                      </a:stretch>
+                    </p:blipFill>
+                    <p:spPr>
+                      <a:xfrm>
+                        <a:off x="830710" y="1833054"/>
+                        <a:ext cx="6897659" cy="928531"/>
+                      </a:xfrm>
+                      <a:prstGeom prst="rect">
+                        <a:avLst/>
+                      </a:prstGeom>
+                    </p:spPr>
+                  </p:pic>
+                </p:oleObj>
+              </mc:Fallback>
+            </mc:AlternateContent>
+          </a:graphicData>
+        </a:graphic>
+      </p:graphicFrame>
+      <p:graphicFrame>
+        <p:nvGraphicFramePr>
+          <p:cNvPr id="6" name="Object 5"/>
+          <p:cNvGraphicFramePr>
+            <a:graphicFrameLocks noChangeAspect="1"/>
+          </p:cNvGraphicFramePr>
+          <p:nvPr>
+            <p:extLst>
+              <p:ext uri="{D42A27DB-BD31-4B8C-83A1-F6EECF244321}">
+                <p14:modId xmlns:p14="http://schemas.microsoft.com/office/powerpoint/2010/main" val="1161772144"/>
+              </p:ext>
+            </p:extLst>
+          </p:nvPr>
+        </p:nvGraphicFramePr>
+        <p:xfrm>
+          <a:off x="1190625" y="5838937"/>
+          <a:ext cx="4829175" cy="927100"/>
+        </p:xfrm>
+        <a:graphic>
+          <a:graphicData uri="http://schemas.openxmlformats.org/presentationml/2006/ole">
+            <mc:AlternateContent xmlns:mc="http://schemas.openxmlformats.org/markup-compatibility/2006">
+              <mc:Choice xmlns:v="urn:schemas-microsoft-com:vml" Requires="v">
+                <p:oleObj spid="_x0000_s1066" name="Equation" r:id="rId7" imgW="2311400" imgH="444500" progId="Equation.3">
+                  <p:embed/>
+                </p:oleObj>
+              </mc:Choice>
+              <mc:Fallback>
+                <p:oleObj name="Equation" r:id="rId7" imgW="2311400" imgH="444500" progId="Equation.3">
+                  <p:embed/>
+                  <p:pic>
+                    <p:nvPicPr>
+                      <p:cNvPr id="0" name=""/>
+                      <p:cNvPicPr/>
+                      <p:nvPr/>
+                    </p:nvPicPr>
+                    <p:blipFill>
+                      <a:blip r:embed="rId8"/>
+                      <a:stretch>
+                        <a:fillRect/>
+                      </a:stretch>
+                    </p:blipFill>
+                    <p:spPr>
+                      <a:xfrm>
+                        <a:off x="1190625" y="5838937"/>
+                        <a:ext cx="4829175" cy="927100"/>
+                      </a:xfrm>
+                      <a:prstGeom prst="rect">
+                        <a:avLst/>
+                      </a:prstGeom>
+                    </p:spPr>
+                  </p:pic>
+                </p:oleObj>
+              </mc:Fallback>
+            </mc:AlternateContent>
+          </a:graphicData>
+        </a:graphic>
+      </p:graphicFrame>
+      <p:sp>
+        <p:nvSpPr>
+          <p:cNvPr id="8" name="Slide Number Placeholder 7"/>
+          <p:cNvSpPr>
+            <a:spLocks noGrp="1"/>
+          </p:cNvSpPr>
+          <p:nvPr>
+            <p:ph type="sldNum" sz="quarter" idx="12"/>
+          </p:nvPr>
+        </p:nvSpPr>
+        <p:spPr/>
+        <p:txBody>
+          <a:bodyPr/>
+          <a:lstStyle/>
+          <a:p>
+            <a:fld id="{A8ED28AA-87F7-5C4E-93A6-8BAA38DF407C}" type="slidenum">
+              <a:rPr lang="en-US" smtClean="0"/>
+              <a:t>5</a:t>
+            </a:fld>
+            <a:endParaRPr lang="en-US"/>
+          </a:p>
+        </p:txBody>
+      </p:sp>
+      <p:sp>
+        <p:nvSpPr>
+          <p:cNvPr id="9" name="Footer Placeholder 8"/>
+          <p:cNvSpPr>
+            <a:spLocks noGrp="1"/>
+          </p:cNvSpPr>
+          <p:nvPr>
+            <p:ph type="ftr" sz="quarter" idx="11"/>
+          </p:nvPr>
+        </p:nvSpPr>
+        <p:spPr>
+          <a:xfrm>
+            <a:off x="6553200" y="6084735"/>
+            <a:ext cx="2895600" cy="365125"/>
+          </a:xfrm>
+        </p:spPr>
+        <p:txBody>
+          <a:bodyPr/>
+          <a:lstStyle/>
+          <a:p>
+            <a:r>
+              <a:rPr lang="en-US" dirty="0"/>
+              <a:t>Physical Characteristics: Solids</a:t>
+            </a:r>
           </a:p>
           <a:p>
             <a:endParaRPr lang="en-US" dirty="0"/>
@@ -3917,6 +5689,1444 @@
   <p:clrMapOvr>
     <a:masterClrMapping/>
   </p:clrMapOvr>
+  <p:timing>
+    <p:tnLst>
+      <p:par>
+        <p:cTn xmlns:p14="http://schemas.microsoft.com/office/powerpoint/2010/main" id="1" dur="indefinite" restart="never" nodeType="tmRoot"/>
+      </p:par>
+    </p:tnLst>
+  </p:timing>
+</p:sld>
+</file>
+
+<file path=ppt/slides/slide6.xml><?xml version="1.0" encoding="utf-8"?>
+<p:sld xmlns:a="http://schemas.openxmlformats.org/drawingml/2006/main" xmlns:r="http://schemas.openxmlformats.org/officeDocument/2006/relationships" xmlns:p="http://schemas.openxmlformats.org/presentationml/2006/main">
+  <p:cSld>
+    <p:spTree>
+      <p:nvGrpSpPr>
+        <p:cNvPr id="1" name=""/>
+        <p:cNvGrpSpPr/>
+        <p:nvPr/>
+      </p:nvGrpSpPr>
+      <p:grpSpPr>
+        <a:xfrm>
+          <a:off x="0" y="0"/>
+          <a:ext cx="0" cy="0"/>
+          <a:chOff x="0" y="0"/>
+          <a:chExt cx="0" cy="0"/>
+        </a:xfrm>
+      </p:grpSpPr>
+      <p:sp>
+        <p:nvSpPr>
+          <p:cNvPr id="2" name="Title 1"/>
+          <p:cNvSpPr>
+            <a:spLocks noGrp="1"/>
+          </p:cNvSpPr>
+          <p:nvPr>
+            <p:ph type="title"/>
+          </p:nvPr>
+        </p:nvSpPr>
+        <p:spPr>
+          <a:xfrm>
+            <a:off x="-149400" y="498726"/>
+            <a:ext cx="9442808" cy="584363"/>
+          </a:xfrm>
+        </p:spPr>
+        <p:txBody>
+          <a:bodyPr>
+            <a:noAutofit/>
+          </a:bodyPr>
+          <a:lstStyle/>
+          <a:p>
+            <a:r>
+              <a:rPr lang="en-US" sz="3600" dirty="0" smtClean="0">
+                <a:solidFill>
+                  <a:srgbClr val="000090"/>
+                </a:solidFill>
+                <a:latin typeface="Arial"/>
+                <a:cs typeface="Arial"/>
+              </a:rPr>
+              <a:t>Total Solids = Fixed Solids + Volatile Solids</a:t>
+            </a:r>
+            <a:endParaRPr lang="en-US" sz="3600" dirty="0">
+              <a:solidFill>
+                <a:srgbClr val="000090"/>
+              </a:solidFill>
+              <a:latin typeface="Arial"/>
+              <a:cs typeface="Arial"/>
+            </a:endParaRPr>
+          </a:p>
+        </p:txBody>
+      </p:sp>
+      <p:sp>
+        <p:nvSpPr>
+          <p:cNvPr id="3" name="Content Placeholder 2"/>
+          <p:cNvSpPr>
+            <a:spLocks noGrp="1"/>
+          </p:cNvSpPr>
+          <p:nvPr>
+            <p:ph idx="1"/>
+          </p:nvPr>
+        </p:nvSpPr>
+        <p:spPr>
+          <a:xfrm>
+            <a:off x="457200" y="1488158"/>
+            <a:ext cx="8229600" cy="5986082"/>
+          </a:xfrm>
+        </p:spPr>
+        <p:txBody>
+          <a:bodyPr>
+            <a:normAutofit/>
+          </a:bodyPr>
+          <a:lstStyle/>
+          <a:p>
+            <a:pPr>
+              <a:spcBef>
+                <a:spcPts val="1272"/>
+              </a:spcBef>
+              <a:spcAft>
+                <a:spcPts val="1200"/>
+              </a:spcAft>
+            </a:pPr>
+            <a:r>
+              <a:rPr lang="en-US" dirty="0" smtClean="0">
+                <a:solidFill>
+                  <a:srgbClr val="800000"/>
+                </a:solidFill>
+                <a:latin typeface="Arial"/>
+                <a:cs typeface="Arial"/>
+              </a:rPr>
+              <a:t>Dried solids are combusted at 550 ºC:</a:t>
+            </a:r>
+            <a:endParaRPr lang="en-US" dirty="0">
+              <a:solidFill>
+                <a:srgbClr val="800000"/>
+              </a:solidFill>
+              <a:latin typeface="Arial"/>
+              <a:cs typeface="Arial"/>
+            </a:endParaRPr>
+          </a:p>
+          <a:p>
+            <a:pPr lvl="1">
+              <a:spcBef>
+                <a:spcPts val="1272"/>
+              </a:spcBef>
+              <a:spcAft>
+                <a:spcPts val="1200"/>
+              </a:spcAft>
+            </a:pPr>
+            <a:r>
+              <a:rPr lang="en-US" dirty="0" smtClean="0">
+                <a:solidFill>
+                  <a:srgbClr val="008000"/>
+                </a:solidFill>
+                <a:latin typeface="Arial"/>
+                <a:cs typeface="Arial"/>
+              </a:rPr>
+              <a:t>Fixed Solids FS (inorganic, ash)</a:t>
+            </a:r>
+          </a:p>
+          <a:p>
+            <a:pPr marL="457200" lvl="1" indent="0">
+              <a:buNone/>
+            </a:pPr>
+            <a:endParaRPr lang="en-US" dirty="0">
+              <a:latin typeface="Arial"/>
+              <a:cs typeface="Arial"/>
+            </a:endParaRPr>
+          </a:p>
+          <a:p>
+            <a:endParaRPr lang="en-US" sz="2800" dirty="0" smtClean="0">
+              <a:latin typeface="Arial"/>
+              <a:cs typeface="Arial"/>
+            </a:endParaRPr>
+          </a:p>
+          <a:p>
+            <a:endParaRPr lang="en-US" sz="2800" dirty="0" smtClean="0">
+              <a:solidFill>
+                <a:srgbClr val="800000"/>
+              </a:solidFill>
+              <a:latin typeface="Arial"/>
+              <a:cs typeface="Arial"/>
+            </a:endParaRPr>
+          </a:p>
+          <a:p>
+            <a:pPr lvl="1"/>
+            <a:r>
+              <a:rPr lang="en-US" dirty="0" smtClean="0">
+                <a:solidFill>
+                  <a:srgbClr val="008000"/>
+                </a:solidFill>
+                <a:latin typeface="Arial"/>
+                <a:cs typeface="Arial"/>
+              </a:rPr>
+              <a:t>Volatile </a:t>
+            </a:r>
+            <a:r>
+              <a:rPr lang="en-US" dirty="0">
+                <a:solidFill>
+                  <a:srgbClr val="008000"/>
+                </a:solidFill>
+                <a:latin typeface="Arial"/>
+                <a:cs typeface="Arial"/>
+              </a:rPr>
+              <a:t>Solids </a:t>
+            </a:r>
+            <a:r>
+              <a:rPr lang="en-US" dirty="0" smtClean="0">
+                <a:solidFill>
+                  <a:srgbClr val="008000"/>
+                </a:solidFill>
+                <a:latin typeface="Arial"/>
+                <a:cs typeface="Arial"/>
+              </a:rPr>
+              <a:t>VS (organic) </a:t>
+            </a:r>
+            <a:endParaRPr lang="en-US" dirty="0">
+              <a:solidFill>
+                <a:srgbClr val="008000"/>
+              </a:solidFill>
+              <a:latin typeface="Arial"/>
+              <a:cs typeface="Arial"/>
+            </a:endParaRPr>
+          </a:p>
+          <a:p>
+            <a:pPr marL="0" indent="0">
+              <a:buNone/>
+            </a:pPr>
+            <a:endParaRPr lang="en-US" dirty="0"/>
+          </a:p>
+          <a:p>
+            <a:endParaRPr lang="en-US" dirty="0"/>
+          </a:p>
+        </p:txBody>
+      </p:sp>
+      <p:graphicFrame>
+        <p:nvGraphicFramePr>
+          <p:cNvPr id="4" name="Object 3"/>
+          <p:cNvGraphicFramePr>
+            <a:graphicFrameLocks noChangeAspect="1"/>
+          </p:cNvGraphicFramePr>
+          <p:nvPr>
+            <p:extLst>
+              <p:ext uri="{D42A27DB-BD31-4B8C-83A1-F6EECF244321}">
+                <p14:modId xmlns:p14="http://schemas.microsoft.com/office/powerpoint/2010/main" val="852891086"/>
+              </p:ext>
+            </p:extLst>
+          </p:nvPr>
+        </p:nvGraphicFramePr>
+        <p:xfrm>
+          <a:off x="550580" y="3243477"/>
+          <a:ext cx="7853363" cy="954087"/>
+        </p:xfrm>
+        <a:graphic>
+          <a:graphicData uri="http://schemas.openxmlformats.org/presentationml/2006/ole">
+            <mc:AlternateContent xmlns:mc="http://schemas.openxmlformats.org/markup-compatibility/2006">
+              <mc:Choice xmlns:v="urn:schemas-microsoft-com:vml" Requires="v">
+                <p:oleObj spid="_x0000_s2078" name="Equation" r:id="rId3" imgW="3759200" imgH="457200" progId="Equation.3">
+                  <p:embed/>
+                </p:oleObj>
+              </mc:Choice>
+              <mc:Fallback>
+                <p:oleObj name="Equation" r:id="rId3" imgW="3759200" imgH="457200" progId="Equation.3">
+                  <p:embed/>
+                  <p:pic>
+                    <p:nvPicPr>
+                      <p:cNvPr id="0" name=""/>
+                      <p:cNvPicPr/>
+                      <p:nvPr/>
+                    </p:nvPicPr>
+                    <p:blipFill>
+                      <a:blip r:embed="rId4"/>
+                      <a:stretch>
+                        <a:fillRect/>
+                      </a:stretch>
+                    </p:blipFill>
+                    <p:spPr>
+                      <a:xfrm>
+                        <a:off x="550580" y="3243477"/>
+                        <a:ext cx="7853363" cy="954087"/>
+                      </a:xfrm>
+                      <a:prstGeom prst="rect">
+                        <a:avLst/>
+                      </a:prstGeom>
+                    </p:spPr>
+                  </p:pic>
+                </p:oleObj>
+              </mc:Fallback>
+            </mc:AlternateContent>
+          </a:graphicData>
+        </a:graphic>
+      </p:graphicFrame>
+      <p:graphicFrame>
+        <p:nvGraphicFramePr>
+          <p:cNvPr id="6" name="Object 5"/>
+          <p:cNvGraphicFramePr>
+            <a:graphicFrameLocks noChangeAspect="1"/>
+          </p:cNvGraphicFramePr>
+          <p:nvPr>
+            <p:extLst>
+              <p:ext uri="{D42A27DB-BD31-4B8C-83A1-F6EECF244321}">
+                <p14:modId xmlns:p14="http://schemas.microsoft.com/office/powerpoint/2010/main" val="4287953947"/>
+              </p:ext>
+            </p:extLst>
+          </p:nvPr>
+        </p:nvGraphicFramePr>
+        <p:xfrm>
+          <a:off x="1677948" y="5303910"/>
+          <a:ext cx="2732088" cy="423863"/>
+        </p:xfrm>
+        <a:graphic>
+          <a:graphicData uri="http://schemas.openxmlformats.org/presentationml/2006/ole">
+            <mc:AlternateContent xmlns:mc="http://schemas.openxmlformats.org/markup-compatibility/2006">
+              <mc:Choice xmlns:v="urn:schemas-microsoft-com:vml" Requires="v">
+                <p:oleObj spid="_x0000_s2079" name="Equation" r:id="rId5" imgW="1308100" imgH="203200" progId="Equation.3">
+                  <p:embed/>
+                </p:oleObj>
+              </mc:Choice>
+              <mc:Fallback>
+                <p:oleObj name="Equation" r:id="rId5" imgW="1308100" imgH="203200" progId="Equation.3">
+                  <p:embed/>
+                  <p:pic>
+                    <p:nvPicPr>
+                      <p:cNvPr id="0" name=""/>
+                      <p:cNvPicPr/>
+                      <p:nvPr/>
+                    </p:nvPicPr>
+                    <p:blipFill>
+                      <a:blip r:embed="rId6"/>
+                      <a:stretch>
+                        <a:fillRect/>
+                      </a:stretch>
+                    </p:blipFill>
+                    <p:spPr>
+                      <a:xfrm>
+                        <a:off x="1677948" y="5303910"/>
+                        <a:ext cx="2732088" cy="423863"/>
+                      </a:xfrm>
+                      <a:prstGeom prst="rect">
+                        <a:avLst/>
+                      </a:prstGeom>
+                    </p:spPr>
+                  </p:pic>
+                </p:oleObj>
+              </mc:Fallback>
+            </mc:AlternateContent>
+          </a:graphicData>
+        </a:graphic>
+      </p:graphicFrame>
+      <p:sp>
+        <p:nvSpPr>
+          <p:cNvPr id="8" name="Slide Number Placeholder 7"/>
+          <p:cNvSpPr>
+            <a:spLocks noGrp="1"/>
+          </p:cNvSpPr>
+          <p:nvPr>
+            <p:ph type="sldNum" sz="quarter" idx="12"/>
+          </p:nvPr>
+        </p:nvSpPr>
+        <p:spPr>
+          <a:xfrm>
+            <a:off x="6553200" y="6505742"/>
+            <a:ext cx="2133600" cy="365125"/>
+          </a:xfrm>
+        </p:spPr>
+        <p:txBody>
+          <a:bodyPr/>
+          <a:lstStyle/>
+          <a:p>
+            <a:fld id="{A8ED28AA-87F7-5C4E-93A6-8BAA38DF407C}" type="slidenum">
+              <a:rPr lang="en-US" smtClean="0"/>
+              <a:t>6</a:t>
+            </a:fld>
+            <a:endParaRPr lang="en-US"/>
+          </a:p>
+        </p:txBody>
+      </p:sp>
+      <p:sp>
+        <p:nvSpPr>
+          <p:cNvPr id="9" name="Footer Placeholder 8"/>
+          <p:cNvSpPr>
+            <a:spLocks noGrp="1"/>
+          </p:cNvSpPr>
+          <p:nvPr>
+            <p:ph type="ftr" sz="quarter" idx="11"/>
+          </p:nvPr>
+        </p:nvSpPr>
+        <p:spPr/>
+        <p:txBody>
+          <a:bodyPr/>
+          <a:lstStyle/>
+          <a:p>
+            <a:r>
+              <a:rPr lang="en-US" dirty="0"/>
+              <a:t>Physical Characteristics: Solids</a:t>
+            </a:r>
+          </a:p>
+          <a:p>
+            <a:endParaRPr lang="en-US" dirty="0"/>
+          </a:p>
+        </p:txBody>
+      </p:sp>
+    </p:spTree>
+    <p:extLst>
+      <p:ext uri="{BB962C8B-B14F-4D97-AF65-F5344CB8AC3E}">
+        <p14:creationId xmlns:p14="http://schemas.microsoft.com/office/powerpoint/2010/main" val="1042820026"/>
+      </p:ext>
+    </p:extLst>
+  </p:cSld>
+  <p:clrMapOvr>
+    <a:masterClrMapping/>
+  </p:clrMapOvr>
+  <p:timing>
+    <p:tnLst>
+      <p:par>
+        <p:cTn xmlns:p14="http://schemas.microsoft.com/office/powerpoint/2010/main" id="1" dur="indefinite" restart="never" nodeType="tmRoot"/>
+      </p:par>
+    </p:tnLst>
+  </p:timing>
+</p:sld>
+</file>
+
+<file path=ppt/slides/slide7.xml><?xml version="1.0" encoding="utf-8"?>
+<p:sld xmlns:a="http://schemas.openxmlformats.org/drawingml/2006/main" xmlns:r="http://schemas.openxmlformats.org/officeDocument/2006/relationships" xmlns:p="http://schemas.openxmlformats.org/presentationml/2006/main">
+  <p:cSld>
+    <p:spTree>
+      <p:nvGrpSpPr>
+        <p:cNvPr id="1" name=""/>
+        <p:cNvGrpSpPr/>
+        <p:nvPr/>
+      </p:nvGrpSpPr>
+      <p:grpSpPr>
+        <a:xfrm>
+          <a:off x="0" y="0"/>
+          <a:ext cx="0" cy="0"/>
+          <a:chOff x="0" y="0"/>
+          <a:chExt cx="0" cy="0"/>
+        </a:xfrm>
+      </p:grpSpPr>
+      <p:sp>
+        <p:nvSpPr>
+          <p:cNvPr id="2" name="Title 1"/>
+          <p:cNvSpPr>
+            <a:spLocks noGrp="1"/>
+          </p:cNvSpPr>
+          <p:nvPr>
+            <p:ph type="title"/>
+          </p:nvPr>
+        </p:nvSpPr>
+        <p:spPr>
+          <a:xfrm>
+            <a:off x="-149400" y="349334"/>
+            <a:ext cx="9442808" cy="584363"/>
+          </a:xfrm>
+        </p:spPr>
+        <p:txBody>
+          <a:bodyPr>
+            <a:noAutofit/>
+          </a:bodyPr>
+          <a:lstStyle/>
+          <a:p>
+            <a:r>
+              <a:rPr lang="en-US" sz="3600" dirty="0" smtClean="0">
+                <a:solidFill>
+                  <a:srgbClr val="000090"/>
+                </a:solidFill>
+                <a:latin typeface="Arial"/>
+                <a:cs typeface="Arial"/>
+              </a:rPr>
+              <a:t>TSS = FSS + VSS</a:t>
+            </a:r>
+            <a:endParaRPr lang="en-US" sz="3600" dirty="0">
+              <a:solidFill>
+                <a:srgbClr val="000090"/>
+              </a:solidFill>
+              <a:latin typeface="Arial"/>
+              <a:cs typeface="Arial"/>
+            </a:endParaRPr>
+          </a:p>
+        </p:txBody>
+      </p:sp>
+      <p:sp>
+        <p:nvSpPr>
+          <p:cNvPr id="3" name="Content Placeholder 2"/>
+          <p:cNvSpPr>
+            <a:spLocks noGrp="1"/>
+          </p:cNvSpPr>
+          <p:nvPr>
+            <p:ph idx="1"/>
+          </p:nvPr>
+        </p:nvSpPr>
+        <p:spPr>
+          <a:xfrm>
+            <a:off x="457200" y="1338766"/>
+            <a:ext cx="8229600" cy="5986082"/>
+          </a:xfrm>
+        </p:spPr>
+        <p:txBody>
+          <a:bodyPr>
+            <a:normAutofit/>
+          </a:bodyPr>
+          <a:lstStyle/>
+          <a:p>
+            <a:pPr>
+              <a:spcBef>
+                <a:spcPts val="1272"/>
+              </a:spcBef>
+              <a:spcAft>
+                <a:spcPts val="1200"/>
+              </a:spcAft>
+            </a:pPr>
+            <a:r>
+              <a:rPr lang="en-US" dirty="0" smtClean="0">
+                <a:solidFill>
+                  <a:srgbClr val="800000"/>
+                </a:solidFill>
+                <a:latin typeface="Arial"/>
+                <a:cs typeface="Arial"/>
+              </a:rPr>
+              <a:t>Dried solids retained on filter are combusted at 550 ºC:</a:t>
+            </a:r>
+            <a:endParaRPr lang="en-US" dirty="0">
+              <a:solidFill>
+                <a:srgbClr val="800000"/>
+              </a:solidFill>
+              <a:latin typeface="Arial"/>
+              <a:cs typeface="Arial"/>
+            </a:endParaRPr>
+          </a:p>
+          <a:p>
+            <a:pPr lvl="1">
+              <a:spcBef>
+                <a:spcPts val="1272"/>
+              </a:spcBef>
+              <a:spcAft>
+                <a:spcPts val="1200"/>
+              </a:spcAft>
+            </a:pPr>
+            <a:r>
+              <a:rPr lang="en-US" dirty="0" smtClean="0">
+                <a:solidFill>
+                  <a:srgbClr val="008000"/>
+                </a:solidFill>
+                <a:latin typeface="Arial"/>
+                <a:cs typeface="Arial"/>
+              </a:rPr>
+              <a:t>Fixed Suspended Solids FSS (inorganic, ash)</a:t>
+            </a:r>
+          </a:p>
+          <a:p>
+            <a:pPr marL="457200" lvl="1" indent="0">
+              <a:buNone/>
+            </a:pPr>
+            <a:endParaRPr lang="en-US" dirty="0">
+              <a:latin typeface="Arial"/>
+              <a:cs typeface="Arial"/>
+            </a:endParaRPr>
+          </a:p>
+          <a:p>
+            <a:endParaRPr lang="en-US" sz="2800" dirty="0" smtClean="0">
+              <a:latin typeface="Arial"/>
+              <a:cs typeface="Arial"/>
+            </a:endParaRPr>
+          </a:p>
+          <a:p>
+            <a:endParaRPr lang="en-US" sz="2800" dirty="0" smtClean="0">
+              <a:solidFill>
+                <a:srgbClr val="800000"/>
+              </a:solidFill>
+              <a:latin typeface="Arial"/>
+              <a:cs typeface="Arial"/>
+            </a:endParaRPr>
+          </a:p>
+          <a:p>
+            <a:pPr lvl="1"/>
+            <a:r>
+              <a:rPr lang="en-US" dirty="0" smtClean="0">
+                <a:solidFill>
+                  <a:srgbClr val="008000"/>
+                </a:solidFill>
+                <a:latin typeface="Arial"/>
+                <a:cs typeface="Arial"/>
+              </a:rPr>
+              <a:t>Volatile Suspended Solids VSS (organic) </a:t>
+            </a:r>
+            <a:endParaRPr lang="en-US" dirty="0">
+              <a:solidFill>
+                <a:srgbClr val="008000"/>
+              </a:solidFill>
+              <a:latin typeface="Arial"/>
+              <a:cs typeface="Arial"/>
+            </a:endParaRPr>
+          </a:p>
+          <a:p>
+            <a:pPr marL="0" indent="0">
+              <a:buNone/>
+            </a:pPr>
+            <a:endParaRPr lang="en-US" dirty="0"/>
+          </a:p>
+          <a:p>
+            <a:endParaRPr lang="en-US" dirty="0"/>
+          </a:p>
+        </p:txBody>
+      </p:sp>
+      <p:graphicFrame>
+        <p:nvGraphicFramePr>
+          <p:cNvPr id="4" name="Object 3"/>
+          <p:cNvGraphicFramePr>
+            <a:graphicFrameLocks noChangeAspect="1"/>
+          </p:cNvGraphicFramePr>
+          <p:nvPr>
+            <p:extLst>
+              <p:ext uri="{D42A27DB-BD31-4B8C-83A1-F6EECF244321}">
+                <p14:modId xmlns:p14="http://schemas.microsoft.com/office/powerpoint/2010/main" val="2673124616"/>
+              </p:ext>
+            </p:extLst>
+          </p:nvPr>
+        </p:nvGraphicFramePr>
+        <p:xfrm>
+          <a:off x="534988" y="3571875"/>
+          <a:ext cx="7747000" cy="954088"/>
+        </p:xfrm>
+        <a:graphic>
+          <a:graphicData uri="http://schemas.openxmlformats.org/presentationml/2006/ole">
+            <mc:AlternateContent xmlns:mc="http://schemas.openxmlformats.org/markup-compatibility/2006">
+              <mc:Choice xmlns:v="urn:schemas-microsoft-com:vml" Requires="v">
+                <p:oleObj spid="_x0000_s4123" name="Equation" r:id="rId3" imgW="3708400" imgH="457200" progId="Equation.3">
+                  <p:embed/>
+                </p:oleObj>
+              </mc:Choice>
+              <mc:Fallback>
+                <p:oleObj name="Equation" r:id="rId3" imgW="3708400" imgH="457200" progId="Equation.3">
+                  <p:embed/>
+                  <p:pic>
+                    <p:nvPicPr>
+                      <p:cNvPr id="0" name=""/>
+                      <p:cNvPicPr/>
+                      <p:nvPr/>
+                    </p:nvPicPr>
+                    <p:blipFill>
+                      <a:blip r:embed="rId4"/>
+                      <a:stretch>
+                        <a:fillRect/>
+                      </a:stretch>
+                    </p:blipFill>
+                    <p:spPr>
+                      <a:xfrm>
+                        <a:off x="534988" y="3571875"/>
+                        <a:ext cx="7747000" cy="954088"/>
+                      </a:xfrm>
+                      <a:prstGeom prst="rect">
+                        <a:avLst/>
+                      </a:prstGeom>
+                    </p:spPr>
+                  </p:pic>
+                </p:oleObj>
+              </mc:Fallback>
+            </mc:AlternateContent>
+          </a:graphicData>
+        </a:graphic>
+      </p:graphicFrame>
+      <p:graphicFrame>
+        <p:nvGraphicFramePr>
+          <p:cNvPr id="6" name="Object 5"/>
+          <p:cNvGraphicFramePr>
+            <a:graphicFrameLocks noChangeAspect="1"/>
+          </p:cNvGraphicFramePr>
+          <p:nvPr>
+            <p:extLst>
+              <p:ext uri="{D42A27DB-BD31-4B8C-83A1-F6EECF244321}">
+                <p14:modId xmlns:p14="http://schemas.microsoft.com/office/powerpoint/2010/main" val="3972806287"/>
+              </p:ext>
+            </p:extLst>
+          </p:nvPr>
+        </p:nvGraphicFramePr>
+        <p:xfrm>
+          <a:off x="1917700" y="5616575"/>
+          <a:ext cx="3262313" cy="423863"/>
+        </p:xfrm>
+        <a:graphic>
+          <a:graphicData uri="http://schemas.openxmlformats.org/presentationml/2006/ole">
+            <mc:AlternateContent xmlns:mc="http://schemas.openxmlformats.org/markup-compatibility/2006">
+              <mc:Choice xmlns:v="urn:schemas-microsoft-com:vml" Requires="v">
+                <p:oleObj spid="_x0000_s4124" name="Equation" r:id="rId5" imgW="1562100" imgH="203200" progId="Equation.3">
+                  <p:embed/>
+                </p:oleObj>
+              </mc:Choice>
+              <mc:Fallback>
+                <p:oleObj name="Equation" r:id="rId5" imgW="1562100" imgH="203200" progId="Equation.3">
+                  <p:embed/>
+                  <p:pic>
+                    <p:nvPicPr>
+                      <p:cNvPr id="0" name=""/>
+                      <p:cNvPicPr/>
+                      <p:nvPr/>
+                    </p:nvPicPr>
+                    <p:blipFill>
+                      <a:blip r:embed="rId6"/>
+                      <a:stretch>
+                        <a:fillRect/>
+                      </a:stretch>
+                    </p:blipFill>
+                    <p:spPr>
+                      <a:xfrm>
+                        <a:off x="1917700" y="5616575"/>
+                        <a:ext cx="3262313" cy="423863"/>
+                      </a:xfrm>
+                      <a:prstGeom prst="rect">
+                        <a:avLst/>
+                      </a:prstGeom>
+                    </p:spPr>
+                  </p:pic>
+                </p:oleObj>
+              </mc:Fallback>
+            </mc:AlternateContent>
+          </a:graphicData>
+        </a:graphic>
+      </p:graphicFrame>
+      <p:sp>
+        <p:nvSpPr>
+          <p:cNvPr id="8" name="Slide Number Placeholder 7"/>
+          <p:cNvSpPr>
+            <a:spLocks noGrp="1"/>
+          </p:cNvSpPr>
+          <p:nvPr>
+            <p:ph type="sldNum" sz="quarter" idx="12"/>
+          </p:nvPr>
+        </p:nvSpPr>
+        <p:spPr/>
+        <p:txBody>
+          <a:bodyPr/>
+          <a:lstStyle/>
+          <a:p>
+            <a:fld id="{A8ED28AA-87F7-5C4E-93A6-8BAA38DF407C}" type="slidenum">
+              <a:rPr lang="en-US" smtClean="0"/>
+              <a:t>7</a:t>
+            </a:fld>
+            <a:endParaRPr lang="en-US"/>
+          </a:p>
+        </p:txBody>
+      </p:sp>
+      <p:sp>
+        <p:nvSpPr>
+          <p:cNvPr id="5" name="Footer Placeholder 4"/>
+          <p:cNvSpPr>
+            <a:spLocks noGrp="1"/>
+          </p:cNvSpPr>
+          <p:nvPr>
+            <p:ph type="ftr" sz="quarter" idx="11"/>
+          </p:nvPr>
+        </p:nvSpPr>
+        <p:spPr/>
+        <p:txBody>
+          <a:bodyPr/>
+          <a:lstStyle/>
+          <a:p>
+            <a:r>
+              <a:rPr lang="en-US" dirty="0"/>
+              <a:t>Physical Characteristics: Solids</a:t>
+            </a:r>
+          </a:p>
+          <a:p>
+            <a:endParaRPr lang="en-US" dirty="0"/>
+          </a:p>
+        </p:txBody>
+      </p:sp>
+    </p:spTree>
+    <p:extLst>
+      <p:ext uri="{BB962C8B-B14F-4D97-AF65-F5344CB8AC3E}">
+        <p14:creationId xmlns:p14="http://schemas.microsoft.com/office/powerpoint/2010/main" val="1739238282"/>
+      </p:ext>
+    </p:extLst>
+  </p:cSld>
+  <p:clrMapOvr>
+    <a:masterClrMapping/>
+  </p:clrMapOvr>
+  <p:timing>
+    <p:tnLst>
+      <p:par>
+        <p:cTn xmlns:p14="http://schemas.microsoft.com/office/powerpoint/2010/main" id="1" dur="indefinite" restart="never" nodeType="tmRoot"/>
+      </p:par>
+    </p:tnLst>
+  </p:timing>
+</p:sld>
+</file>
+
+<file path=ppt/slides/slide8.xml><?xml version="1.0" encoding="utf-8"?>
+<p:sld xmlns:a="http://schemas.openxmlformats.org/drawingml/2006/main" xmlns:r="http://schemas.openxmlformats.org/officeDocument/2006/relationships" xmlns:p="http://schemas.openxmlformats.org/presentationml/2006/main">
+  <p:cSld>
+    <p:spTree>
+      <p:nvGrpSpPr>
+        <p:cNvPr id="1" name=""/>
+        <p:cNvGrpSpPr/>
+        <p:nvPr/>
+      </p:nvGrpSpPr>
+      <p:grpSpPr>
+        <a:xfrm>
+          <a:off x="0" y="0"/>
+          <a:ext cx="0" cy="0"/>
+          <a:chOff x="0" y="0"/>
+          <a:chExt cx="0" cy="0"/>
+        </a:xfrm>
+      </p:grpSpPr>
+      <p:sp>
+        <p:nvSpPr>
+          <p:cNvPr id="2" name="Title 1"/>
+          <p:cNvSpPr>
+            <a:spLocks noGrp="1"/>
+          </p:cNvSpPr>
+          <p:nvPr>
+            <p:ph type="title"/>
+          </p:nvPr>
+        </p:nvSpPr>
+        <p:spPr>
+          <a:xfrm>
+            <a:off x="-149400" y="349334"/>
+            <a:ext cx="9442808" cy="584363"/>
+          </a:xfrm>
+        </p:spPr>
+        <p:txBody>
+          <a:bodyPr>
+            <a:noAutofit/>
+          </a:bodyPr>
+          <a:lstStyle/>
+          <a:p>
+            <a:r>
+              <a:rPr lang="en-US" sz="3600" dirty="0" smtClean="0">
+                <a:solidFill>
+                  <a:srgbClr val="000090"/>
+                </a:solidFill>
+                <a:latin typeface="Arial"/>
+                <a:cs typeface="Arial"/>
+              </a:rPr>
+              <a:t>TDS = FDS + VDS</a:t>
+            </a:r>
+            <a:endParaRPr lang="en-US" sz="3600" dirty="0">
+              <a:solidFill>
+                <a:srgbClr val="000090"/>
+              </a:solidFill>
+              <a:latin typeface="Arial"/>
+              <a:cs typeface="Arial"/>
+            </a:endParaRPr>
+          </a:p>
+        </p:txBody>
+      </p:sp>
+      <p:sp>
+        <p:nvSpPr>
+          <p:cNvPr id="3" name="Content Placeholder 2"/>
+          <p:cNvSpPr>
+            <a:spLocks noGrp="1"/>
+          </p:cNvSpPr>
+          <p:nvPr>
+            <p:ph idx="1"/>
+          </p:nvPr>
+        </p:nvSpPr>
+        <p:spPr>
+          <a:xfrm>
+            <a:off x="457200" y="1338766"/>
+            <a:ext cx="8229600" cy="5986082"/>
+          </a:xfrm>
+        </p:spPr>
+        <p:txBody>
+          <a:bodyPr>
+            <a:normAutofit/>
+          </a:bodyPr>
+          <a:lstStyle/>
+          <a:p>
+            <a:pPr>
+              <a:spcBef>
+                <a:spcPts val="1272"/>
+              </a:spcBef>
+              <a:spcAft>
+                <a:spcPts val="1200"/>
+              </a:spcAft>
+            </a:pPr>
+            <a:r>
+              <a:rPr lang="en-US" dirty="0" smtClean="0">
+                <a:solidFill>
+                  <a:srgbClr val="800000"/>
+                </a:solidFill>
+                <a:latin typeface="Arial"/>
+                <a:cs typeface="Arial"/>
+              </a:rPr>
+              <a:t>Dried solids that passed through filter are combusted at 550 ºC</a:t>
+            </a:r>
+            <a:endParaRPr lang="en-US" dirty="0">
+              <a:solidFill>
+                <a:srgbClr val="800000"/>
+              </a:solidFill>
+              <a:latin typeface="Arial"/>
+              <a:cs typeface="Arial"/>
+            </a:endParaRPr>
+          </a:p>
+          <a:p>
+            <a:pPr lvl="1">
+              <a:spcBef>
+                <a:spcPts val="1272"/>
+              </a:spcBef>
+              <a:spcAft>
+                <a:spcPts val="1200"/>
+              </a:spcAft>
+            </a:pPr>
+            <a:r>
+              <a:rPr lang="en-US" dirty="0" smtClean="0">
+                <a:solidFill>
+                  <a:srgbClr val="008000"/>
+                </a:solidFill>
+                <a:latin typeface="Arial"/>
+                <a:cs typeface="Arial"/>
+              </a:rPr>
+              <a:t>Fixed Dissolved Solids FDS (inorganic, ash)</a:t>
+            </a:r>
+          </a:p>
+          <a:p>
+            <a:pPr marL="457200" lvl="1" indent="0">
+              <a:buNone/>
+            </a:pPr>
+            <a:endParaRPr lang="en-US" dirty="0">
+              <a:latin typeface="Arial"/>
+              <a:cs typeface="Arial"/>
+            </a:endParaRPr>
+          </a:p>
+          <a:p>
+            <a:endParaRPr lang="en-US" sz="2800" dirty="0" smtClean="0">
+              <a:latin typeface="Arial"/>
+              <a:cs typeface="Arial"/>
+            </a:endParaRPr>
+          </a:p>
+          <a:p>
+            <a:endParaRPr lang="en-US" sz="2800" dirty="0" smtClean="0">
+              <a:solidFill>
+                <a:srgbClr val="800000"/>
+              </a:solidFill>
+              <a:latin typeface="Arial"/>
+              <a:cs typeface="Arial"/>
+            </a:endParaRPr>
+          </a:p>
+          <a:p>
+            <a:pPr lvl="1"/>
+            <a:r>
+              <a:rPr lang="en-US" dirty="0" smtClean="0">
+                <a:solidFill>
+                  <a:srgbClr val="008000"/>
+                </a:solidFill>
+                <a:latin typeface="Arial"/>
+                <a:cs typeface="Arial"/>
+              </a:rPr>
+              <a:t>Volatile Dissolved Solids VDS (organic) </a:t>
+            </a:r>
+            <a:endParaRPr lang="en-US" dirty="0">
+              <a:solidFill>
+                <a:srgbClr val="008000"/>
+              </a:solidFill>
+              <a:latin typeface="Arial"/>
+              <a:cs typeface="Arial"/>
+            </a:endParaRPr>
+          </a:p>
+          <a:p>
+            <a:pPr marL="0" indent="0">
+              <a:buNone/>
+            </a:pPr>
+            <a:endParaRPr lang="en-US" dirty="0"/>
+          </a:p>
+          <a:p>
+            <a:endParaRPr lang="en-US" dirty="0"/>
+          </a:p>
+        </p:txBody>
+      </p:sp>
+      <p:graphicFrame>
+        <p:nvGraphicFramePr>
+          <p:cNvPr id="4" name="Object 3"/>
+          <p:cNvGraphicFramePr>
+            <a:graphicFrameLocks noChangeAspect="1"/>
+          </p:cNvGraphicFramePr>
+          <p:nvPr>
+            <p:extLst>
+              <p:ext uri="{D42A27DB-BD31-4B8C-83A1-F6EECF244321}">
+                <p14:modId xmlns:p14="http://schemas.microsoft.com/office/powerpoint/2010/main" val="3955194581"/>
+              </p:ext>
+            </p:extLst>
+          </p:nvPr>
+        </p:nvGraphicFramePr>
+        <p:xfrm>
+          <a:off x="508000" y="3571875"/>
+          <a:ext cx="7800975" cy="954088"/>
+        </p:xfrm>
+        <a:graphic>
+          <a:graphicData uri="http://schemas.openxmlformats.org/presentationml/2006/ole">
+            <mc:AlternateContent xmlns:mc="http://schemas.openxmlformats.org/markup-compatibility/2006">
+              <mc:Choice xmlns:v="urn:schemas-microsoft-com:vml" Requires="v">
+                <p:oleObj spid="_x0000_s5147" name="Equation" r:id="rId3" imgW="3733800" imgH="457200" progId="Equation.3">
+                  <p:embed/>
+                </p:oleObj>
+              </mc:Choice>
+              <mc:Fallback>
+                <p:oleObj name="Equation" r:id="rId3" imgW="3733800" imgH="457200" progId="Equation.3">
+                  <p:embed/>
+                  <p:pic>
+                    <p:nvPicPr>
+                      <p:cNvPr id="0" name=""/>
+                      <p:cNvPicPr/>
+                      <p:nvPr/>
+                    </p:nvPicPr>
+                    <p:blipFill>
+                      <a:blip r:embed="rId4"/>
+                      <a:stretch>
+                        <a:fillRect/>
+                      </a:stretch>
+                    </p:blipFill>
+                    <p:spPr>
+                      <a:xfrm>
+                        <a:off x="508000" y="3571875"/>
+                        <a:ext cx="7800975" cy="954088"/>
+                      </a:xfrm>
+                      <a:prstGeom prst="rect">
+                        <a:avLst/>
+                      </a:prstGeom>
+                    </p:spPr>
+                  </p:pic>
+                </p:oleObj>
+              </mc:Fallback>
+            </mc:AlternateContent>
+          </a:graphicData>
+        </a:graphic>
+      </p:graphicFrame>
+      <p:graphicFrame>
+        <p:nvGraphicFramePr>
+          <p:cNvPr id="6" name="Object 5"/>
+          <p:cNvGraphicFramePr>
+            <a:graphicFrameLocks noChangeAspect="1"/>
+          </p:cNvGraphicFramePr>
+          <p:nvPr>
+            <p:extLst>
+              <p:ext uri="{D42A27DB-BD31-4B8C-83A1-F6EECF244321}">
+                <p14:modId xmlns:p14="http://schemas.microsoft.com/office/powerpoint/2010/main" val="570923668"/>
+              </p:ext>
+            </p:extLst>
+          </p:nvPr>
+        </p:nvGraphicFramePr>
+        <p:xfrm>
+          <a:off x="1838325" y="5616575"/>
+          <a:ext cx="3421063" cy="423863"/>
+        </p:xfrm>
+        <a:graphic>
+          <a:graphicData uri="http://schemas.openxmlformats.org/presentationml/2006/ole">
+            <mc:AlternateContent xmlns:mc="http://schemas.openxmlformats.org/markup-compatibility/2006">
+              <mc:Choice xmlns:v="urn:schemas-microsoft-com:vml" Requires="v">
+                <p:oleObj spid="_x0000_s5148" name="Equation" r:id="rId5" imgW="1638300" imgH="203200" progId="Equation.3">
+                  <p:embed/>
+                </p:oleObj>
+              </mc:Choice>
+              <mc:Fallback>
+                <p:oleObj name="Equation" r:id="rId5" imgW="1638300" imgH="203200" progId="Equation.3">
+                  <p:embed/>
+                  <p:pic>
+                    <p:nvPicPr>
+                      <p:cNvPr id="0" name=""/>
+                      <p:cNvPicPr/>
+                      <p:nvPr/>
+                    </p:nvPicPr>
+                    <p:blipFill>
+                      <a:blip r:embed="rId6"/>
+                      <a:stretch>
+                        <a:fillRect/>
+                      </a:stretch>
+                    </p:blipFill>
+                    <p:spPr>
+                      <a:xfrm>
+                        <a:off x="1838325" y="5616575"/>
+                        <a:ext cx="3421063" cy="423863"/>
+                      </a:xfrm>
+                      <a:prstGeom prst="rect">
+                        <a:avLst/>
+                      </a:prstGeom>
+                    </p:spPr>
+                  </p:pic>
+                </p:oleObj>
+              </mc:Fallback>
+            </mc:AlternateContent>
+          </a:graphicData>
+        </a:graphic>
+      </p:graphicFrame>
+      <p:sp>
+        <p:nvSpPr>
+          <p:cNvPr id="8" name="Slide Number Placeholder 7"/>
+          <p:cNvSpPr>
+            <a:spLocks noGrp="1"/>
+          </p:cNvSpPr>
+          <p:nvPr>
+            <p:ph type="sldNum" sz="quarter" idx="12"/>
+          </p:nvPr>
+        </p:nvSpPr>
+        <p:spPr/>
+        <p:txBody>
+          <a:bodyPr/>
+          <a:lstStyle/>
+          <a:p>
+            <a:fld id="{A8ED28AA-87F7-5C4E-93A6-8BAA38DF407C}" type="slidenum">
+              <a:rPr lang="en-US" smtClean="0"/>
+              <a:t>8</a:t>
+            </a:fld>
+            <a:endParaRPr lang="en-US"/>
+          </a:p>
+        </p:txBody>
+      </p:sp>
+      <p:sp>
+        <p:nvSpPr>
+          <p:cNvPr id="5" name="Footer Placeholder 4"/>
+          <p:cNvSpPr>
+            <a:spLocks noGrp="1"/>
+          </p:cNvSpPr>
+          <p:nvPr>
+            <p:ph type="ftr" sz="quarter" idx="11"/>
+          </p:nvPr>
+        </p:nvSpPr>
+        <p:spPr/>
+        <p:txBody>
+          <a:bodyPr/>
+          <a:lstStyle/>
+          <a:p>
+            <a:r>
+              <a:rPr lang="en-US" dirty="0" smtClean="0"/>
+              <a:t>Physical Characteristics: Solids</a:t>
+            </a:r>
+            <a:endParaRPr lang="en-US" dirty="0"/>
+          </a:p>
+        </p:txBody>
+      </p:sp>
+    </p:spTree>
+    <p:extLst>
+      <p:ext uri="{BB962C8B-B14F-4D97-AF65-F5344CB8AC3E}">
+        <p14:creationId xmlns:p14="http://schemas.microsoft.com/office/powerpoint/2010/main" val="2105841190"/>
+      </p:ext>
+    </p:extLst>
+  </p:cSld>
+  <p:clrMapOvr>
+    <a:masterClrMapping/>
+  </p:clrMapOvr>
+  <p:timing>
+    <p:tnLst>
+      <p:par>
+        <p:cTn xmlns:p14="http://schemas.microsoft.com/office/powerpoint/2010/main" id="1" dur="indefinite" restart="never" nodeType="tmRoot"/>
+      </p:par>
+    </p:tnLst>
+  </p:timing>
+</p:sld>
+</file>
+
+<file path=ppt/slides/slide9.xml><?xml version="1.0" encoding="utf-8"?>
+<p:sld xmlns:a="http://schemas.openxmlformats.org/drawingml/2006/main" xmlns:r="http://schemas.openxmlformats.org/officeDocument/2006/relationships" xmlns:p="http://schemas.openxmlformats.org/presentationml/2006/main">
+  <p:cSld>
+    <p:spTree>
+      <p:nvGrpSpPr>
+        <p:cNvPr id="1" name=""/>
+        <p:cNvGrpSpPr/>
+        <p:nvPr/>
+      </p:nvGrpSpPr>
+      <p:grpSpPr>
+        <a:xfrm>
+          <a:off x="0" y="0"/>
+          <a:ext cx="0" cy="0"/>
+          <a:chOff x="0" y="0"/>
+          <a:chExt cx="0" cy="0"/>
+        </a:xfrm>
+      </p:grpSpPr>
+      <p:sp>
+        <p:nvSpPr>
+          <p:cNvPr id="2" name="Title 1"/>
+          <p:cNvSpPr>
+            <a:spLocks noGrp="1"/>
+          </p:cNvSpPr>
+          <p:nvPr>
+            <p:ph type="title"/>
+          </p:nvPr>
+        </p:nvSpPr>
+        <p:spPr/>
+        <p:txBody>
+          <a:bodyPr/>
+          <a:lstStyle/>
+          <a:p>
+            <a:r>
+              <a:rPr lang="en-US" dirty="0" smtClean="0">
+                <a:solidFill>
+                  <a:srgbClr val="000090"/>
+                </a:solidFill>
+                <a:latin typeface="Arial"/>
+                <a:cs typeface="Arial"/>
+              </a:rPr>
+              <a:t>I. Physical Characteristics</a:t>
+            </a:r>
+            <a:endParaRPr lang="en-US" dirty="0">
+              <a:solidFill>
+                <a:srgbClr val="000090"/>
+              </a:solidFill>
+              <a:latin typeface="Arial"/>
+              <a:cs typeface="Arial"/>
+            </a:endParaRPr>
+          </a:p>
+        </p:txBody>
+      </p:sp>
+      <p:sp>
+        <p:nvSpPr>
+          <p:cNvPr id="6" name="Content Placeholder 5"/>
+          <p:cNvSpPr>
+            <a:spLocks noGrp="1"/>
+          </p:cNvSpPr>
+          <p:nvPr>
+            <p:ph idx="1"/>
+          </p:nvPr>
+        </p:nvSpPr>
+        <p:spPr/>
+        <p:txBody>
+          <a:bodyPr>
+            <a:normAutofit fontScale="85000" lnSpcReduction="20000"/>
+          </a:bodyPr>
+          <a:lstStyle/>
+          <a:p>
+            <a:pPr marL="0" indent="0">
+              <a:buNone/>
+            </a:pPr>
+            <a:r>
+              <a:rPr lang="en-US" dirty="0" smtClean="0">
+                <a:solidFill>
+                  <a:srgbClr val="800000"/>
+                </a:solidFill>
+                <a:latin typeface="Arial"/>
+                <a:cs typeface="Arial"/>
+              </a:rPr>
+              <a:t>3. Color: Dissolved organic matter, metal ions (e.g. Fe and </a:t>
+            </a:r>
+            <a:r>
+              <a:rPr lang="en-US" dirty="0" err="1" smtClean="0">
+                <a:solidFill>
+                  <a:srgbClr val="800000"/>
+                </a:solidFill>
+                <a:latin typeface="Arial"/>
+                <a:cs typeface="Arial"/>
+              </a:rPr>
+              <a:t>Mn</a:t>
+            </a:r>
+            <a:r>
+              <a:rPr lang="en-US" dirty="0" smtClean="0">
+                <a:solidFill>
+                  <a:srgbClr val="800000"/>
+                </a:solidFill>
+                <a:latin typeface="Arial"/>
+                <a:cs typeface="Arial"/>
+              </a:rPr>
+              <a:t>), and turbidity</a:t>
+            </a:r>
+          </a:p>
+          <a:p>
+            <a:pPr marL="0" indent="0">
+              <a:buNone/>
+            </a:pPr>
+            <a:endParaRPr lang="en-US" dirty="0">
+              <a:solidFill>
+                <a:srgbClr val="800000"/>
+              </a:solidFill>
+              <a:latin typeface="Arial"/>
+              <a:cs typeface="Arial"/>
+            </a:endParaRPr>
+          </a:p>
+          <a:p>
+            <a:pPr marL="0" indent="0">
+              <a:buNone/>
+            </a:pPr>
+            <a:endParaRPr lang="en-US" dirty="0" smtClean="0">
+              <a:solidFill>
+                <a:srgbClr val="800000"/>
+              </a:solidFill>
+              <a:latin typeface="Arial"/>
+              <a:cs typeface="Arial"/>
+            </a:endParaRPr>
+          </a:p>
+          <a:p>
+            <a:pPr marL="0" indent="0">
+              <a:buNone/>
+            </a:pPr>
+            <a:r>
+              <a:rPr lang="en-US" dirty="0" smtClean="0">
+                <a:solidFill>
+                  <a:srgbClr val="008000"/>
+                </a:solidFill>
+                <a:latin typeface="Arial"/>
+                <a:cs typeface="Arial"/>
+              </a:rPr>
+              <a:t>4. Taste and Odor: Dissolved organic and inorganic matter, microorganisms, water treatment process</a:t>
+            </a:r>
+          </a:p>
+          <a:p>
+            <a:pPr marL="0" indent="0">
+              <a:buNone/>
+            </a:pPr>
+            <a:endParaRPr lang="en-US" dirty="0">
+              <a:solidFill>
+                <a:srgbClr val="800000"/>
+              </a:solidFill>
+              <a:latin typeface="Arial"/>
+              <a:cs typeface="Arial"/>
+            </a:endParaRPr>
+          </a:p>
+          <a:p>
+            <a:pPr marL="0" indent="0">
+              <a:buNone/>
+            </a:pPr>
+            <a:endParaRPr lang="en-US" dirty="0" smtClean="0">
+              <a:solidFill>
+                <a:srgbClr val="800000"/>
+              </a:solidFill>
+              <a:latin typeface="Arial"/>
+              <a:cs typeface="Arial"/>
+            </a:endParaRPr>
+          </a:p>
+          <a:p>
+            <a:pPr marL="0" indent="0">
+              <a:buNone/>
+            </a:pPr>
+            <a:r>
+              <a:rPr lang="en-US" dirty="0" smtClean="0">
+                <a:solidFill>
+                  <a:srgbClr val="660066"/>
+                </a:solidFill>
+                <a:latin typeface="Arial"/>
+                <a:cs typeface="Arial"/>
+              </a:rPr>
+              <a:t>5. Temperature: important because controls rates of reactions.  In winter: 0.5 to 3 </a:t>
+            </a:r>
+            <a:r>
+              <a:rPr lang="en-US" baseline="30000" dirty="0" err="1" smtClean="0">
+                <a:solidFill>
+                  <a:srgbClr val="660066"/>
+                </a:solidFill>
+                <a:latin typeface="Arial"/>
+                <a:cs typeface="Arial"/>
+              </a:rPr>
+              <a:t>o</a:t>
+            </a:r>
+            <a:r>
+              <a:rPr lang="en-US" dirty="0" err="1" smtClean="0">
+                <a:solidFill>
+                  <a:srgbClr val="660066"/>
+                </a:solidFill>
+                <a:latin typeface="Arial"/>
+                <a:cs typeface="Arial"/>
+              </a:rPr>
+              <a:t>C</a:t>
+            </a:r>
+            <a:r>
+              <a:rPr lang="en-US" dirty="0">
+                <a:solidFill>
+                  <a:srgbClr val="660066"/>
+                </a:solidFill>
+                <a:latin typeface="Arial"/>
+                <a:cs typeface="Arial"/>
+              </a:rPr>
+              <a:t>;</a:t>
+            </a:r>
+            <a:r>
+              <a:rPr lang="en-US" dirty="0" smtClean="0">
+                <a:solidFill>
+                  <a:srgbClr val="660066"/>
+                </a:solidFill>
+                <a:latin typeface="Arial"/>
+                <a:cs typeface="Arial"/>
+              </a:rPr>
+              <a:t> in summer: 2 to 25 </a:t>
+            </a:r>
+            <a:r>
+              <a:rPr lang="en-US" baseline="30000" dirty="0" err="1" smtClean="0">
+                <a:solidFill>
+                  <a:srgbClr val="660066"/>
+                </a:solidFill>
+                <a:latin typeface="Arial"/>
+                <a:cs typeface="Arial"/>
+              </a:rPr>
+              <a:t>o</a:t>
+            </a:r>
+            <a:r>
+              <a:rPr lang="en-US" dirty="0" err="1" smtClean="0">
+                <a:solidFill>
+                  <a:srgbClr val="660066"/>
+                </a:solidFill>
+                <a:latin typeface="Arial"/>
+                <a:cs typeface="Arial"/>
+              </a:rPr>
+              <a:t>C</a:t>
+            </a:r>
+            <a:endParaRPr lang="en-US" dirty="0">
+              <a:solidFill>
+                <a:srgbClr val="660066"/>
+              </a:solidFill>
+              <a:latin typeface="Arial"/>
+              <a:cs typeface="Arial"/>
+            </a:endParaRPr>
+          </a:p>
+        </p:txBody>
+      </p:sp>
+      <p:sp>
+        <p:nvSpPr>
+          <p:cNvPr id="5" name="Slide Number Placeholder 4"/>
+          <p:cNvSpPr>
+            <a:spLocks noGrp="1"/>
+          </p:cNvSpPr>
+          <p:nvPr>
+            <p:ph type="sldNum" sz="quarter" idx="12"/>
+          </p:nvPr>
+        </p:nvSpPr>
+        <p:spPr/>
+        <p:txBody>
+          <a:bodyPr/>
+          <a:lstStyle/>
+          <a:p>
+            <a:fld id="{A8ED28AA-87F7-5C4E-93A6-8BAA38DF407C}" type="slidenum">
+              <a:rPr lang="en-US" smtClean="0"/>
+              <a:t>9</a:t>
+            </a:fld>
+            <a:endParaRPr lang="en-US"/>
+          </a:p>
+        </p:txBody>
+      </p:sp>
+      <p:sp>
+        <p:nvSpPr>
+          <p:cNvPr id="7" name="Footer Placeholder 6"/>
+          <p:cNvSpPr>
+            <a:spLocks noGrp="1"/>
+          </p:cNvSpPr>
+          <p:nvPr>
+            <p:ph type="ftr" sz="quarter" idx="11"/>
+          </p:nvPr>
+        </p:nvSpPr>
+        <p:spPr/>
+        <p:txBody>
+          <a:bodyPr/>
+          <a:lstStyle/>
+          <a:p>
+            <a:r>
+              <a:rPr lang="en-US" dirty="0" smtClean="0"/>
+              <a:t>Physical Characteristics</a:t>
+            </a:r>
+            <a:endParaRPr lang="en-US" dirty="0"/>
+          </a:p>
+        </p:txBody>
+      </p:sp>
+    </p:spTree>
+    <p:extLst>
+      <p:ext uri="{BB962C8B-B14F-4D97-AF65-F5344CB8AC3E}">
+        <p14:creationId xmlns:p14="http://schemas.microsoft.com/office/powerpoint/2010/main" val="2839679784"/>
+      </p:ext>
+    </p:extLst>
+  </p:cSld>
+  <p:clrMapOvr>
+    <a:masterClrMapping/>
+  </p:clrMapOvr>
+  <p:timing>
+    <p:tnLst>
+      <p:par>
+        <p:cTn xmlns:p14="http://schemas.microsoft.com/office/powerpoint/2010/main" id="1" dur="indefinite" restart="never" nodeType="tmRoot"/>
+      </p:par>
+    </p:tnLst>
+  </p:timing>
 </p:sld>
 </file>
 
@@ -4558,4 +7768,324 @@
   </a:objectDefaults>
   <a:extraClrSchemeLst/>
 </a:theme>
+</file>
+
+<file path=ppt/theme/theme3.xml><?xml version="1.0" encoding="utf-8"?>
+<a:theme xmlns:a="http://schemas.openxmlformats.org/drawingml/2006/main" name="Office Theme">
+  <a:themeElements>
+    <a:clrScheme name="Office">
+      <a:dk1>
+        <a:sysClr val="windowText" lastClr="000000"/>
+      </a:dk1>
+      <a:lt1>
+        <a:sysClr val="window" lastClr="FFFFFF"/>
+      </a:lt1>
+      <a:dk2>
+        <a:srgbClr val="1F497D"/>
+      </a:dk2>
+      <a:lt2>
+        <a:srgbClr val="EEECE1"/>
+      </a:lt2>
+      <a:accent1>
+        <a:srgbClr val="4F81BD"/>
+      </a:accent1>
+      <a:accent2>
+        <a:srgbClr val="C0504D"/>
+      </a:accent2>
+      <a:accent3>
+        <a:srgbClr val="9BBB59"/>
+      </a:accent3>
+      <a:accent4>
+        <a:srgbClr val="8064A2"/>
+      </a:accent4>
+      <a:accent5>
+        <a:srgbClr val="4BACC6"/>
+      </a:accent5>
+      <a:accent6>
+        <a:srgbClr val="F79646"/>
+      </a:accent6>
+      <a:hlink>
+        <a:srgbClr val="0000FF"/>
+      </a:hlink>
+      <a:folHlink>
+        <a:srgbClr val="800080"/>
+      </a:folHlink>
+    </a:clrScheme>
+    <a:fontScheme name="Office">
+      <a:majorFont>
+        <a:latin typeface="Calibri"/>
+        <a:ea typeface=""/>
+        <a:cs typeface=""/>
+        <a:font script="Jpan" typeface="ＭＳ Ｐゴシック"/>
+        <a:font script="Hang" typeface="맑은 고딕"/>
+        <a:font script="Hans" typeface="宋体"/>
+        <a:font script="Hant" typeface="新細明體"/>
+        <a:font script="Arab" typeface="Times New Roman"/>
+        <a:font script="Hebr" typeface="Times New Roman"/>
+        <a:font script="Thai" typeface="Angsana New"/>
+        <a:font script="Ethi" typeface="Nyala"/>
+        <a:font script="Beng" typeface="Vrinda"/>
+        <a:font script="Gujr" typeface="Shruti"/>
+        <a:font script="Khmr" typeface="MoolBoran"/>
+        <a:font script="Knda" typeface="Tunga"/>
+        <a:font script="Guru" typeface="Raavi"/>
+        <a:font script="Cans" typeface="Euphemia"/>
+        <a:font script="Cher" typeface="Plantagenet Cherokee"/>
+        <a:font script="Yiii" typeface="Microsoft Yi Baiti"/>
+        <a:font script="Tibt" typeface="Microsoft Himalaya"/>
+        <a:font script="Thaa" typeface="MV Boli"/>
+        <a:font script="Deva" typeface="Mangal"/>
+        <a:font script="Telu" typeface="Gautami"/>
+        <a:font script="Taml" typeface="Latha"/>
+        <a:font script="Syrc" typeface="Estrangelo Edessa"/>
+        <a:font script="Orya" typeface="Kalinga"/>
+        <a:font script="Mlym" typeface="Kartika"/>
+        <a:font script="Laoo" typeface="DokChampa"/>
+        <a:font script="Sinh" typeface="Iskoola Pota"/>
+        <a:font script="Mong" typeface="Mongolian Baiti"/>
+        <a:font script="Viet" typeface="Times New Roman"/>
+        <a:font script="Uigh" typeface="Microsoft Uighur"/>
+        <a:font script="Geor" typeface="Sylfaen"/>
+      </a:majorFont>
+      <a:minorFont>
+        <a:latin typeface="Calibri"/>
+        <a:ea typeface=""/>
+        <a:cs typeface=""/>
+        <a:font script="Jpan" typeface="ＭＳ Ｐゴシック"/>
+        <a:font script="Hang" typeface="맑은 고딕"/>
+        <a:font script="Hans" typeface="宋体"/>
+        <a:font script="Hant" typeface="新細明體"/>
+        <a:font script="Arab" typeface="Arial"/>
+        <a:font script="Hebr" typeface="Arial"/>
+        <a:font script="Thai" typeface="Cordia New"/>
+        <a:font script="Ethi" typeface="Nyala"/>
+        <a:font script="Beng" typeface="Vrinda"/>
+        <a:font script="Gujr" typeface="Shruti"/>
+        <a:font script="Khmr" typeface="DaunPenh"/>
+        <a:font script="Knda" typeface="Tunga"/>
+        <a:font script="Guru" typeface="Raavi"/>
+        <a:font script="Cans" typeface="Euphemia"/>
+        <a:font script="Cher" typeface="Plantagenet Cherokee"/>
+        <a:font script="Yiii" typeface="Microsoft Yi Baiti"/>
+        <a:font script="Tibt" typeface="Microsoft Himalaya"/>
+        <a:font script="Thaa" typeface="MV Boli"/>
+        <a:font script="Deva" typeface="Mangal"/>
+        <a:font script="Telu" typeface="Gautami"/>
+        <a:font script="Taml" typeface="Latha"/>
+        <a:font script="Syrc" typeface="Estrangelo Edessa"/>
+        <a:font script="Orya" typeface="Kalinga"/>
+        <a:font script="Mlym" typeface="Kartika"/>
+        <a:font script="Laoo" typeface="DokChampa"/>
+        <a:font script="Sinh" typeface="Iskoola Pota"/>
+        <a:font script="Mong" typeface="Mongolian Baiti"/>
+        <a:font script="Viet" typeface="Arial"/>
+        <a:font script="Uigh" typeface="Microsoft Uighur"/>
+        <a:font script="Geor" typeface="Sylfaen"/>
+      </a:minorFont>
+    </a:fontScheme>
+    <a:fmtScheme name="Office">
+      <a:fillStyleLst>
+        <a:solidFill>
+          <a:schemeClr val="phClr"/>
+        </a:solidFill>
+        <a:gradFill rotWithShape="1">
+          <a:gsLst>
+            <a:gs pos="0">
+              <a:schemeClr val="phClr">
+                <a:tint val="50000"/>
+                <a:satMod val="300000"/>
+              </a:schemeClr>
+            </a:gs>
+            <a:gs pos="35000">
+              <a:schemeClr val="phClr">
+                <a:tint val="37000"/>
+                <a:satMod val="300000"/>
+              </a:schemeClr>
+            </a:gs>
+            <a:gs pos="100000">
+              <a:schemeClr val="phClr">
+                <a:tint val="15000"/>
+                <a:satMod val="350000"/>
+              </a:schemeClr>
+            </a:gs>
+          </a:gsLst>
+          <a:lin ang="16200000" scaled="1"/>
+        </a:gradFill>
+        <a:gradFill rotWithShape="1">
+          <a:gsLst>
+            <a:gs pos="0">
+              <a:schemeClr val="phClr">
+                <a:tint val="100000"/>
+                <a:shade val="100000"/>
+                <a:satMod val="130000"/>
+              </a:schemeClr>
+            </a:gs>
+            <a:gs pos="100000">
+              <a:schemeClr val="phClr">
+                <a:tint val="50000"/>
+                <a:shade val="100000"/>
+                <a:satMod val="350000"/>
+              </a:schemeClr>
+            </a:gs>
+          </a:gsLst>
+          <a:lin ang="16200000" scaled="0"/>
+        </a:gradFill>
+      </a:fillStyleLst>
+      <a:lnStyleLst>
+        <a:ln w="9525" cap="flat" cmpd="sng" algn="ctr">
+          <a:solidFill>
+            <a:schemeClr val="phClr">
+              <a:shade val="95000"/>
+              <a:satMod val="105000"/>
+            </a:schemeClr>
+          </a:solidFill>
+          <a:prstDash val="solid"/>
+        </a:ln>
+        <a:ln w="25400" cap="flat" cmpd="sng" algn="ctr">
+          <a:solidFill>
+            <a:schemeClr val="phClr"/>
+          </a:solidFill>
+          <a:prstDash val="solid"/>
+        </a:ln>
+        <a:ln w="38100" cap="flat" cmpd="sng" algn="ctr">
+          <a:solidFill>
+            <a:schemeClr val="phClr"/>
+          </a:solidFill>
+          <a:prstDash val="solid"/>
+        </a:ln>
+      </a:lnStyleLst>
+      <a:effectStyleLst>
+        <a:effectStyle>
+          <a:effectLst>
+            <a:outerShdw blurRad="40000" dist="20000" dir="5400000" rotWithShape="0">
+              <a:srgbClr val="000000">
+                <a:alpha val="38000"/>
+              </a:srgbClr>
+            </a:outerShdw>
+          </a:effectLst>
+        </a:effectStyle>
+        <a:effectStyle>
+          <a:effectLst>
+            <a:outerShdw blurRad="40000" dist="23000" dir="5400000" rotWithShape="0">
+              <a:srgbClr val="000000">
+                <a:alpha val="35000"/>
+              </a:srgbClr>
+            </a:outerShdw>
+          </a:effectLst>
+        </a:effectStyle>
+        <a:effectStyle>
+          <a:effectLst>
+            <a:outerShdw blurRad="40000" dist="23000" dir="5400000" rotWithShape="0">
+              <a:srgbClr val="000000">
+                <a:alpha val="35000"/>
+              </a:srgbClr>
+            </a:outerShdw>
+          </a:effectLst>
+          <a:scene3d>
+            <a:camera prst="orthographicFront">
+              <a:rot lat="0" lon="0" rev="0"/>
+            </a:camera>
+            <a:lightRig rig="threePt" dir="t">
+              <a:rot lat="0" lon="0" rev="1200000"/>
+            </a:lightRig>
+          </a:scene3d>
+          <a:sp3d>
+            <a:bevelT w="63500" h="25400"/>
+          </a:sp3d>
+        </a:effectStyle>
+      </a:effectStyleLst>
+      <a:bgFillStyleLst>
+        <a:solidFill>
+          <a:schemeClr val="phClr"/>
+        </a:solidFill>
+        <a:gradFill rotWithShape="1">
+          <a:gsLst>
+            <a:gs pos="0">
+              <a:schemeClr val="phClr">
+                <a:tint val="40000"/>
+                <a:satMod val="350000"/>
+              </a:schemeClr>
+            </a:gs>
+            <a:gs pos="40000">
+              <a:schemeClr val="phClr">
+                <a:tint val="45000"/>
+                <a:shade val="99000"/>
+                <a:satMod val="350000"/>
+              </a:schemeClr>
+            </a:gs>
+            <a:gs pos="100000">
+              <a:schemeClr val="phClr">
+                <a:shade val="20000"/>
+                <a:satMod val="255000"/>
+              </a:schemeClr>
+            </a:gs>
+          </a:gsLst>
+          <a:path path="circle">
+            <a:fillToRect l="50000" t="-80000" r="50000" b="180000"/>
+          </a:path>
+        </a:gradFill>
+        <a:gradFill rotWithShape="1">
+          <a:gsLst>
+            <a:gs pos="0">
+              <a:schemeClr val="phClr">
+                <a:tint val="80000"/>
+                <a:satMod val="300000"/>
+              </a:schemeClr>
+            </a:gs>
+            <a:gs pos="100000">
+              <a:schemeClr val="phClr">
+                <a:shade val="30000"/>
+                <a:satMod val="200000"/>
+              </a:schemeClr>
+            </a:gs>
+          </a:gsLst>
+          <a:path path="circle">
+            <a:fillToRect l="50000" t="50000" r="50000" b="50000"/>
+          </a:path>
+        </a:gradFill>
+      </a:bgFillStyleLst>
+    </a:fmtScheme>
+  </a:themeElements>
+  <a:objectDefaults>
+    <a:spDef>
+      <a:spPr/>
+      <a:bodyPr/>
+      <a:lstStyle/>
+      <a:style>
+        <a:lnRef idx="1">
+          <a:schemeClr val="accent1"/>
+        </a:lnRef>
+        <a:fillRef idx="3">
+          <a:schemeClr val="accent1"/>
+        </a:fillRef>
+        <a:effectRef idx="2">
+          <a:schemeClr val="accent1"/>
+        </a:effectRef>
+        <a:fontRef idx="minor">
+          <a:schemeClr val="lt1"/>
+        </a:fontRef>
+      </a:style>
+    </a:spDef>
+    <a:lnDef>
+      <a:spPr/>
+      <a:bodyPr/>
+      <a:lstStyle/>
+      <a:style>
+        <a:lnRef idx="2">
+          <a:schemeClr val="accent1"/>
+        </a:lnRef>
+        <a:fillRef idx="0">
+          <a:schemeClr val="accent1"/>
+        </a:fillRef>
+        <a:effectRef idx="1">
+          <a:schemeClr val="accent1"/>
+        </a:effectRef>
+        <a:fontRef idx="minor">
+          <a:schemeClr val="tx1"/>
+        </a:fontRef>
+      </a:style>
+    </a:lnDef>
+  </a:objectDefaults>
+  <a:extraClrSchemeLst/>
+</a:theme>
 </file>